--- a/Ryszard/presentation_WTC.pptx
+++ b/Ryszard/presentation_WTC.pptx
@@ -274,7 +274,7 @@
           <a:p>
             <a:fld id="{870AA8E1-0136-4D42-BE7C-04D1A65B7BD5}" type="datetimeFigureOut">
               <a:rPr lang="pl-PL" smtClean="0"/>
-              <a:t>28.05.2023</a:t>
+              <a:t>29.05.2023</a:t>
             </a:fld>
             <a:endParaRPr lang="pl-PL"/>
           </a:p>
@@ -472,7 +472,7 @@
           <a:p>
             <a:fld id="{870AA8E1-0136-4D42-BE7C-04D1A65B7BD5}" type="datetimeFigureOut">
               <a:rPr lang="pl-PL" smtClean="0"/>
-              <a:t>28.05.2023</a:t>
+              <a:t>29.05.2023</a:t>
             </a:fld>
             <a:endParaRPr lang="pl-PL"/>
           </a:p>
@@ -680,7 +680,7 @@
           <a:p>
             <a:fld id="{870AA8E1-0136-4D42-BE7C-04D1A65B7BD5}" type="datetimeFigureOut">
               <a:rPr lang="pl-PL" smtClean="0"/>
-              <a:t>28.05.2023</a:t>
+              <a:t>29.05.2023</a:t>
             </a:fld>
             <a:endParaRPr lang="pl-PL"/>
           </a:p>
@@ -878,7 +878,7 @@
           <a:p>
             <a:fld id="{870AA8E1-0136-4D42-BE7C-04D1A65B7BD5}" type="datetimeFigureOut">
               <a:rPr lang="pl-PL" smtClean="0"/>
-              <a:t>28.05.2023</a:t>
+              <a:t>29.05.2023</a:t>
             </a:fld>
             <a:endParaRPr lang="pl-PL"/>
           </a:p>
@@ -1153,7 +1153,7 @@
           <a:p>
             <a:fld id="{870AA8E1-0136-4D42-BE7C-04D1A65B7BD5}" type="datetimeFigureOut">
               <a:rPr lang="pl-PL" smtClean="0"/>
-              <a:t>28.05.2023</a:t>
+              <a:t>29.05.2023</a:t>
             </a:fld>
             <a:endParaRPr lang="pl-PL"/>
           </a:p>
@@ -1418,7 +1418,7 @@
           <a:p>
             <a:fld id="{870AA8E1-0136-4D42-BE7C-04D1A65B7BD5}" type="datetimeFigureOut">
               <a:rPr lang="pl-PL" smtClean="0"/>
-              <a:t>28.05.2023</a:t>
+              <a:t>29.05.2023</a:t>
             </a:fld>
             <a:endParaRPr lang="pl-PL"/>
           </a:p>
@@ -1830,7 +1830,7 @@
           <a:p>
             <a:fld id="{870AA8E1-0136-4D42-BE7C-04D1A65B7BD5}" type="datetimeFigureOut">
               <a:rPr lang="pl-PL" smtClean="0"/>
-              <a:t>28.05.2023</a:t>
+              <a:t>29.05.2023</a:t>
             </a:fld>
             <a:endParaRPr lang="pl-PL"/>
           </a:p>
@@ -1971,7 +1971,7 @@
           <a:p>
             <a:fld id="{870AA8E1-0136-4D42-BE7C-04D1A65B7BD5}" type="datetimeFigureOut">
               <a:rPr lang="pl-PL" smtClean="0"/>
-              <a:t>28.05.2023</a:t>
+              <a:t>29.05.2023</a:t>
             </a:fld>
             <a:endParaRPr lang="pl-PL"/>
           </a:p>
@@ -2084,7 +2084,7 @@
           <a:p>
             <a:fld id="{870AA8E1-0136-4D42-BE7C-04D1A65B7BD5}" type="datetimeFigureOut">
               <a:rPr lang="pl-PL" smtClean="0"/>
-              <a:t>28.05.2023</a:t>
+              <a:t>29.05.2023</a:t>
             </a:fld>
             <a:endParaRPr lang="pl-PL"/>
           </a:p>
@@ -2395,7 +2395,7 @@
           <a:p>
             <a:fld id="{870AA8E1-0136-4D42-BE7C-04D1A65B7BD5}" type="datetimeFigureOut">
               <a:rPr lang="pl-PL" smtClean="0"/>
-              <a:t>28.05.2023</a:t>
+              <a:t>29.05.2023</a:t>
             </a:fld>
             <a:endParaRPr lang="pl-PL"/>
           </a:p>
@@ -2683,7 +2683,7 @@
           <a:p>
             <a:fld id="{870AA8E1-0136-4D42-BE7C-04D1A65B7BD5}" type="datetimeFigureOut">
               <a:rPr lang="pl-PL" smtClean="0"/>
-              <a:t>28.05.2023</a:t>
+              <a:t>29.05.2023</a:t>
             </a:fld>
             <a:endParaRPr lang="pl-PL"/>
           </a:p>
@@ -2924,7 +2924,7 @@
           <a:p>
             <a:fld id="{870AA8E1-0136-4D42-BE7C-04D1A65B7BD5}" type="datetimeFigureOut">
               <a:rPr lang="pl-PL" smtClean="0"/>
-              <a:t>28.05.2023</a:t>
+              <a:t>29.05.2023</a:t>
             </a:fld>
             <a:endParaRPr lang="pl-PL"/>
           </a:p>
@@ -3857,10 +3857,10 @@
       </p:sp>
       <p:pic>
         <p:nvPicPr>
-          <p:cNvPr id="5" name="Obraz 4" descr="Obraz zawierający tekst, zrzut ekranu, diagram, Czcionka&#10;&#10;Opis wygenerowany automatycznie">
-            <a:extLst>
-              <a:ext uri="{FF2B5EF4-FFF2-40B4-BE49-F238E27FC236}">
-                <a16:creationId xmlns:a16="http://schemas.microsoft.com/office/drawing/2014/main" id="{2B91C84C-6898-7D11-21FD-7D8EDF30416F}"/>
+          <p:cNvPr id="4" name="Obraz 3" descr="Obraz zawierający tekst, zrzut ekranu, diagram, Czcionka&#10;&#10;Opis wygenerowany automatycznie">
+            <a:extLst>
+              <a:ext uri="{FF2B5EF4-FFF2-40B4-BE49-F238E27FC236}">
+                <a16:creationId xmlns:a16="http://schemas.microsoft.com/office/drawing/2014/main" id="{A9795135-96F7-1432-319D-2A61CCD45016}"/>
               </a:ext>
             </a:extLst>
           </p:cNvPr>
@@ -3883,8 +3883,8 @@
         </p:blipFill>
         <p:spPr>
           <a:xfrm>
-            <a:off x="1867405" y="1325563"/>
-            <a:ext cx="8457189" cy="5285743"/>
+            <a:off x="1654043" y="1153155"/>
+            <a:ext cx="8883913" cy="5552445"/>
           </a:xfrm>
           <a:prstGeom prst="rect">
             <a:avLst/>

--- a/Ryszard/presentation_WTC.pptx
+++ b/Ryszard/presentation_WTC.pptx
@@ -7,20 +7,16 @@
   <p:sldIdLst>
     <p:sldId id="256" r:id="rId2"/>
     <p:sldId id="257" r:id="rId3"/>
-    <p:sldId id="258" r:id="rId4"/>
-    <p:sldId id="260" r:id="rId5"/>
-    <p:sldId id="265" r:id="rId6"/>
-    <p:sldId id="266" r:id="rId7"/>
-    <p:sldId id="261" r:id="rId8"/>
-    <p:sldId id="262" r:id="rId9"/>
-    <p:sldId id="263" r:id="rId10"/>
-    <p:sldId id="264" r:id="rId11"/>
-    <p:sldId id="267" r:id="rId12"/>
-    <p:sldId id="268" r:id="rId13"/>
-    <p:sldId id="270" r:id="rId14"/>
-    <p:sldId id="269" r:id="rId15"/>
-    <p:sldId id="271" r:id="rId16"/>
-    <p:sldId id="272" r:id="rId17"/>
+    <p:sldId id="260" r:id="rId4"/>
+    <p:sldId id="266" r:id="rId5"/>
+    <p:sldId id="261" r:id="rId6"/>
+    <p:sldId id="264" r:id="rId7"/>
+    <p:sldId id="267" r:id="rId8"/>
+    <p:sldId id="268" r:id="rId9"/>
+    <p:sldId id="270" r:id="rId10"/>
+    <p:sldId id="269" r:id="rId11"/>
+    <p:sldId id="271" r:id="rId12"/>
+    <p:sldId id="272" r:id="rId13"/>
   </p:sldIdLst>
   <p:sldSz cx="12192000" cy="6858000"/>
   <p:notesSz cx="6858000" cy="9144000"/>
@@ -3470,10 +3466,10 @@
       </p:grpSpPr>
       <p:pic>
         <p:nvPicPr>
-          <p:cNvPr id="4" name="Obraz 3" descr="Obraz zawierający tekst, diagram, Wykres, linia&#10;&#10;Opis wygenerowany automatycznie">
-            <a:extLst>
-              <a:ext uri="{FF2B5EF4-FFF2-40B4-BE49-F238E27FC236}">
-                <a16:creationId xmlns:a16="http://schemas.microsoft.com/office/drawing/2014/main" id="{01FFA22E-BEE5-F4F6-DB1D-130A71A229D8}"/>
+          <p:cNvPr id="4" name="Obraz 3" descr="Obraz zawierający tekst, zrzut ekranu, Czcionka, linia&#10;&#10;Opis wygenerowany automatycznie">
+            <a:extLst>
+              <a:ext uri="{FF2B5EF4-FFF2-40B4-BE49-F238E27FC236}">
+                <a16:creationId xmlns:a16="http://schemas.microsoft.com/office/drawing/2014/main" id="{4497E675-D5C5-5218-758E-A7E5D243F3C4}"/>
               </a:ext>
             </a:extLst>
           </p:cNvPr>
@@ -3496,8 +3492,8 @@
         </p:blipFill>
         <p:spPr>
           <a:xfrm>
-            <a:off x="977389" y="229868"/>
-            <a:ext cx="10237221" cy="6398263"/>
+            <a:off x="914395" y="190497"/>
+            <a:ext cx="10363209" cy="6477005"/>
           </a:xfrm>
           <a:prstGeom prst="rect">
             <a:avLst/>
@@ -3507,7 +3503,7 @@
     </p:spTree>
     <p:extLst>
       <p:ext uri="{BB962C8B-B14F-4D97-AF65-F5344CB8AC3E}">
-        <p14:creationId xmlns:p14="http://schemas.microsoft.com/office/powerpoint/2010/main" val="1788485468"/>
+        <p14:creationId xmlns:p14="http://schemas.microsoft.com/office/powerpoint/2010/main" val="255177934"/>
       </p:ext>
     </p:extLst>
   </p:cSld>
@@ -3524,12 +3520,12 @@
       <p:bgPr>
         <a:blipFill dpi="0" rotWithShape="1">
           <a:blip r:embed="rId2">
-            <a:alphaModFix amt="32000"/>
+            <a:alphaModFix amt="15000"/>
             <a:lum/>
           </a:blip>
           <a:srcRect/>
           <a:stretch>
-            <a:fillRect t="-3000" b="-3000"/>
+            <a:fillRect t="-9000" b="-9000"/>
           </a:stretch>
         </a:blipFill>
         <a:effectLst/>
@@ -3567,7 +3563,7 @@
         </p:nvSpPr>
         <p:spPr>
           <a:xfrm>
-            <a:off x="226060" y="111760"/>
+            <a:off x="113030" y="245516"/>
             <a:ext cx="11965940" cy="936836"/>
           </a:xfrm>
         </p:spPr>
@@ -3582,7 +3578,7 @@
               <a:rPr lang="pl-PL" sz="4000" b="1" dirty="0">
                 <a:latin typeface="OCR A Extended" panose="02010509020102010303" pitchFamily="50" charset="0"/>
               </a:rPr>
-              <a:t>OGROMNE STRATY FINANSOWE</a:t>
+              <a:t>SKUTKI DŁUGOTERMINOWE</a:t>
             </a:r>
           </a:p>
         </p:txBody>
@@ -3605,8 +3601,8 @@
         </p:nvSpPr>
         <p:spPr>
           <a:xfrm>
-            <a:off x="482600" y="1048596"/>
-            <a:ext cx="11226800" cy="2120793"/>
+            <a:off x="1515108" y="1205856"/>
+            <a:ext cx="9161784" cy="429904"/>
           </a:xfrm>
         </p:spPr>
         <p:txBody>
@@ -3619,117 +3615,20 @@
               <a:buNone/>
             </a:pPr>
             <a:r>
-              <a:rPr lang="pl-PL" sz="1800" b="0" i="1" dirty="0">
-                <a:solidFill>
-                  <a:srgbClr val="2C2F34"/>
-                </a:solidFill>
-                <a:effectLst/>
+              <a:rPr lang="pl-PL" sz="1600" b="1" dirty="0">
                 <a:latin typeface="OCR A Extended" panose="02010509020102010303" pitchFamily="50" charset="0"/>
               </a:rPr>
-              <a:t>Przemysł lotnictwa komercyjnego w </a:t>
-            </a:r>
-            <a:r>
-              <a:rPr lang="pl-PL" sz="1800" i="1" dirty="0">
-                <a:solidFill>
-                  <a:srgbClr val="2C2F34"/>
-                </a:solidFill>
-                <a:effectLst/>
-                <a:latin typeface="OCR A Extended" panose="02010509020102010303" pitchFamily="50" charset="0"/>
-              </a:rPr>
-              <a:t>Stanach Zjednoczonych</a:t>
-            </a:r>
-            <a:r>
-              <a:rPr lang="pl-PL" sz="1800" b="0" i="1" dirty="0">
-                <a:solidFill>
-                  <a:srgbClr val="2C2F34"/>
-                </a:solidFill>
-                <a:effectLst/>
-                <a:latin typeface="OCR A Extended" panose="02010509020102010303" pitchFamily="50" charset="0"/>
-              </a:rPr>
-              <a:t> był już wcześniej narażony na spowolnienie gospodarcze i przewidywalne spadki przychodów związane z sezonowym charakterem podróży turystycznych, ale nie doświadczył kryzysu o sile ataków z 11 września.</a:t>
-            </a:r>
-          </a:p>
-          <a:p>
-            <a:pPr marL="0" indent="0" algn="ctr">
-              <a:buNone/>
-            </a:pPr>
-            <a:r>
-              <a:rPr lang="pl-PL" sz="1800" b="0" i="1" dirty="0">
-                <a:solidFill>
-                  <a:srgbClr val="2C2F34"/>
-                </a:solidFill>
-                <a:effectLst/>
-                <a:latin typeface="OCR A Extended" panose="02010509020102010303" pitchFamily="50" charset="0"/>
-              </a:rPr>
-              <a:t> Według </a:t>
-            </a:r>
-            <a:r>
-              <a:rPr lang="pl-PL" sz="1800" i="1" dirty="0">
-                <a:solidFill>
-                  <a:srgbClr val="2C2F34"/>
-                </a:solidFill>
-                <a:effectLst/>
-                <a:latin typeface="OCR A Extended" panose="02010509020102010303" pitchFamily="50" charset="0"/>
-              </a:rPr>
-              <a:t>Międzynarodowego</a:t>
-            </a:r>
-            <a:r>
-              <a:rPr lang="pl-PL" sz="1800" b="1" i="1" dirty="0">
-                <a:solidFill>
-                  <a:srgbClr val="2C2F34"/>
-                </a:solidFill>
-                <a:effectLst/>
-                <a:latin typeface="OCR A Extended" panose="02010509020102010303" pitchFamily="50" charset="0"/>
-              </a:rPr>
-              <a:t> </a:t>
-            </a:r>
-            <a:r>
-              <a:rPr lang="pl-PL" sz="1800" i="1" dirty="0">
-                <a:solidFill>
-                  <a:srgbClr val="2C2F34"/>
-                </a:solidFill>
-                <a:effectLst/>
-                <a:latin typeface="OCR A Extended" panose="02010509020102010303" pitchFamily="50" charset="0"/>
-              </a:rPr>
-              <a:t>Stowarzyszenia Transportu Lotniczego, </a:t>
-            </a:r>
-            <a:r>
-              <a:rPr lang="pl-PL" sz="1800" b="0" i="1" dirty="0">
-                <a:solidFill>
-                  <a:srgbClr val="2C2F34"/>
-                </a:solidFill>
-                <a:effectLst/>
-                <a:latin typeface="OCR A Extended" panose="02010509020102010303" pitchFamily="50" charset="0"/>
-              </a:rPr>
-              <a:t>pasażerskie linie lotnicze w Stanach Zjednoczonych odnotowały w 2001 roku stratę netto w wysokości</a:t>
-            </a:r>
-          </a:p>
-          <a:p>
-            <a:pPr marL="0" indent="0" algn="ctr">
-              <a:buNone/>
-            </a:pPr>
-            <a:r>
-              <a:rPr lang="pl-PL" sz="1800" b="1" i="1" dirty="0">
-                <a:solidFill>
-                  <a:srgbClr val="2C2F34"/>
-                </a:solidFill>
-                <a:effectLst/>
-                <a:latin typeface="OCR A Extended" panose="02010509020102010303" pitchFamily="50" charset="0"/>
-              </a:rPr>
-              <a:t>8 miliardów dolarów</a:t>
-            </a:r>
-            <a:endParaRPr lang="pl-PL" sz="1800" b="1" i="1" dirty="0">
-              <a:latin typeface="OCR A Extended" panose="02010509020102010303" pitchFamily="50" charset="0"/>
-            </a:endParaRPr>
+              <a:t>Liczba lotów na terenie USA w pierwszym roku od katastrofy spadła o 13 %</a:t>
+            </a:r>
           </a:p>
         </p:txBody>
       </p:sp>
       <p:pic>
         <p:nvPicPr>
-          <p:cNvPr id="4" name="Obraz 3">
-            <a:extLst>
-              <a:ext uri="{FF2B5EF4-FFF2-40B4-BE49-F238E27FC236}">
-                <a16:creationId xmlns:a16="http://schemas.microsoft.com/office/drawing/2014/main" id="{C43FE16D-87EC-4C95-3EA7-66538C9A4D9E}"/>
+          <p:cNvPr id="4" name="Obraz 3" descr="Obraz zawierający tekst, zrzut ekranu, Czcionka, diagram&#10;&#10;Opis wygenerowany automatycznie">
+            <a:extLst>
+              <a:ext uri="{FF2B5EF4-FFF2-40B4-BE49-F238E27FC236}">
+                <a16:creationId xmlns:a16="http://schemas.microsoft.com/office/drawing/2014/main" id="{FCFC8DE4-6C79-7086-037B-B95F290D0582}"/>
               </a:ext>
             </a:extLst>
           </p:cNvPr>
@@ -3738,15 +3637,22 @@
           </p:cNvPicPr>
           <p:nvPr/>
         </p:nvPicPr>
-        <p:blipFill rotWithShape="1">
-          <a:blip r:embed="rId3"/>
-          <a:srcRect b="48038"/>
-          <a:stretch/>
+        <p:blipFill>
+          <a:blip r:embed="rId3">
+            <a:extLst>
+              <a:ext uri="{28A0092B-C50C-407E-A947-70E740481C1C}">
+                <a14:useLocalDpi xmlns:a14="http://schemas.microsoft.com/office/drawing/2010/main" val="0"/>
+              </a:ext>
+            </a:extLst>
+          </a:blip>
+          <a:stretch>
+            <a:fillRect/>
+          </a:stretch>
         </p:blipFill>
         <p:spPr>
           <a:xfrm>
-            <a:off x="1905468" y="3429000"/>
-            <a:ext cx="8381063" cy="3073400"/>
+            <a:off x="2438392" y="2040475"/>
+            <a:ext cx="7315215" cy="4572009"/>
           </a:xfrm>
           <a:prstGeom prst="rect">
             <a:avLst/>
@@ -3756,7 +3662,7 @@
     </p:spTree>
     <p:extLst>
       <p:ext uri="{BB962C8B-B14F-4D97-AF65-F5344CB8AC3E}">
-        <p14:creationId xmlns:p14="http://schemas.microsoft.com/office/powerpoint/2010/main" val="2350668470"/>
+        <p14:creationId xmlns:p14="http://schemas.microsoft.com/office/powerpoint/2010/main" val="2328481045"/>
       </p:ext>
     </p:extLst>
   </p:cSld>
@@ -3771,35 +3677,16 @@
   <p:cSld>
     <p:bg>
       <p:bgPr>
-        <a:gradFill>
-          <a:gsLst>
-            <a:gs pos="0">
-              <a:schemeClr val="accent3">
-                <a:lumMod val="40000"/>
-                <a:lumOff val="60000"/>
-              </a:schemeClr>
-            </a:gs>
-            <a:gs pos="38000">
-              <a:schemeClr val="tx2">
-                <a:lumMod val="40000"/>
-                <a:lumOff val="60000"/>
-              </a:schemeClr>
-            </a:gs>
-            <a:gs pos="83000">
-              <a:schemeClr val="accent1">
-                <a:lumMod val="45000"/>
-                <a:lumOff val="55000"/>
-              </a:schemeClr>
-            </a:gs>
-            <a:gs pos="100000">
-              <a:schemeClr val="accent1">
-                <a:lumMod val="30000"/>
-                <a:lumOff val="70000"/>
-              </a:schemeClr>
-            </a:gs>
-          </a:gsLst>
-          <a:lin ang="5400000" scaled="1"/>
-        </a:gradFill>
+        <a:blipFill dpi="0" rotWithShape="1">
+          <a:blip r:embed="rId2">
+            <a:alphaModFix amt="69000"/>
+            <a:lum/>
+          </a:blip>
+          <a:srcRect/>
+          <a:stretch>
+            <a:fillRect t="-9000" b="-9000"/>
+          </a:stretch>
+        </a:blipFill>
         <a:effectLst/>
       </p:bgPr>
     </p:bg>
@@ -3822,7 +3709,7 @@
           <p:cNvPr id="2" name="Tytuł 1">
             <a:extLst>
               <a:ext uri="{FF2B5EF4-FFF2-40B4-BE49-F238E27FC236}">
-                <a16:creationId xmlns:a16="http://schemas.microsoft.com/office/drawing/2014/main" id="{DA3F3539-610D-F3BE-95EC-5C75832D01F2}"/>
+                <a16:creationId xmlns:a16="http://schemas.microsoft.com/office/drawing/2014/main" id="{FB785FB1-88E0-4792-A752-D0A7B4699D12}"/>
               </a:ext>
             </a:extLst>
           </p:cNvPr>
@@ -3835,8 +3722,8 @@
         </p:nvSpPr>
         <p:spPr>
           <a:xfrm>
-            <a:off x="134620" y="0"/>
-            <a:ext cx="11948160" cy="1325563"/>
+            <a:off x="113030" y="675216"/>
+            <a:ext cx="11965940" cy="936836"/>
           </a:xfrm>
         </p:spPr>
         <p:txBody>
@@ -3850,51 +3737,100 @@
               <a:rPr lang="pl-PL" sz="4000" b="1" dirty="0">
                 <a:latin typeface="OCR A Extended" panose="02010509020102010303" pitchFamily="50" charset="0"/>
               </a:rPr>
-              <a:t>AMERICAN &amp; UNITED AIRLINES</a:t>
-            </a:r>
-          </a:p>
-        </p:txBody>
-      </p:sp>
-      <p:pic>
-        <p:nvPicPr>
-          <p:cNvPr id="4" name="Obraz 3" descr="Obraz zawierający tekst, zrzut ekranu, diagram, Czcionka&#10;&#10;Opis wygenerowany automatycznie">
-            <a:extLst>
-              <a:ext uri="{FF2B5EF4-FFF2-40B4-BE49-F238E27FC236}">
-                <a16:creationId xmlns:a16="http://schemas.microsoft.com/office/drawing/2014/main" id="{A9795135-96F7-1432-319D-2A61CCD45016}"/>
-              </a:ext>
-            </a:extLst>
-          </p:cNvPr>
-          <p:cNvPicPr>
-            <a:picLocks noChangeAspect="1"/>
-          </p:cNvPicPr>
-          <p:nvPr/>
-        </p:nvPicPr>
-        <p:blipFill>
-          <a:blip r:embed="rId2">
-            <a:extLst>
-              <a:ext uri="{28A0092B-C50C-407E-A947-70E740481C1C}">
-                <a14:useLocalDpi xmlns:a14="http://schemas.microsoft.com/office/drawing/2010/main" val="0"/>
-              </a:ext>
-            </a:extLst>
-          </a:blip>
-          <a:stretch>
-            <a:fillRect/>
-          </a:stretch>
-        </p:blipFill>
+              <a:t>ŹRÓDŁA</a:t>
+            </a:r>
+          </a:p>
+        </p:txBody>
+      </p:sp>
+      <p:sp>
+        <p:nvSpPr>
+          <p:cNvPr id="7" name="Symbol zastępczy zawartości 6">
+            <a:extLst>
+              <a:ext uri="{FF2B5EF4-FFF2-40B4-BE49-F238E27FC236}">
+                <a16:creationId xmlns:a16="http://schemas.microsoft.com/office/drawing/2014/main" id="{9FC100E5-FED2-1B1F-9E49-525B0D62AB18}"/>
+              </a:ext>
+            </a:extLst>
+          </p:cNvPr>
+          <p:cNvSpPr>
+            <a:spLocks noGrp="1"/>
+          </p:cNvSpPr>
+          <p:nvPr>
+            <p:ph idx="1"/>
+          </p:nvPr>
+        </p:nvSpPr>
         <p:spPr>
           <a:xfrm>
-            <a:off x="1654043" y="1153155"/>
-            <a:ext cx="8883913" cy="5552445"/>
+            <a:off x="554990" y="4661324"/>
+            <a:ext cx="11271250" cy="1021928"/>
           </a:xfrm>
-          <a:prstGeom prst="rect">
-            <a:avLst/>
-          </a:prstGeom>
         </p:spPr>
-      </p:pic>
+        <p:txBody>
+          <a:bodyPr>
+            <a:noAutofit/>
+          </a:bodyPr>
+          <a:lstStyle/>
+          <a:p>
+            <a:pPr marL="0" indent="0" algn="ctr">
+              <a:buNone/>
+            </a:pPr>
+            <a:r>
+              <a:rPr lang="pl-PL" sz="900" b="1" dirty="0">
+                <a:solidFill>
+                  <a:schemeClr val="bg1"/>
+                </a:solidFill>
+                <a:latin typeface="OCR A Extended" panose="02010509020102010303" pitchFamily="50" charset="0"/>
+              </a:rPr>
+              <a:t>https://obserwatorlogistyczny.pl/2022/09/11/jak-ataki-z-11-wrzesnia-zmienily-branze-lotnicza/</a:t>
+            </a:r>
+          </a:p>
+          <a:p>
+            <a:pPr marL="0" indent="0" algn="ctr">
+              <a:buNone/>
+            </a:pPr>
+            <a:r>
+              <a:rPr lang="pl-PL" sz="900" b="1" dirty="0">
+                <a:solidFill>
+                  <a:schemeClr val="bg1"/>
+                </a:solidFill>
+                <a:latin typeface="OCR A Extended" panose="02010509020102010303" pitchFamily="50" charset="0"/>
+              </a:rPr>
+              <a:t>https://www.tokfm.pl/Tokfm/7,103086,10263848,zamachy-11-wrzesnia-2001-roku-rekonstrukcja-zdarzen-minuta.html</a:t>
+            </a:r>
+          </a:p>
+          <a:p>
+            <a:pPr marL="0" indent="0" algn="ctr">
+              <a:buNone/>
+            </a:pPr>
+            <a:r>
+              <a:rPr lang="pl-PL" sz="900" b="1" dirty="0">
+                <a:solidFill>
+                  <a:schemeClr val="bg1"/>
+                </a:solidFill>
+                <a:latin typeface="OCR A Extended" panose="02010509020102010303" pitchFamily="50" charset="0"/>
+              </a:rPr>
+              <a:t>https://pl.wikipedia.org/wiki/Zamach_z_11_wrze%C5%9Bnia_2001_roku</a:t>
+            </a:r>
+          </a:p>
+          <a:p>
+            <a:pPr marL="0" indent="0" algn="ctr">
+              <a:buNone/>
+            </a:pPr>
+            <a:r>
+              <a:rPr lang="pl-PL" sz="900" b="1" dirty="0">
+                <a:solidFill>
+                  <a:schemeClr val="bg1"/>
+                </a:solidFill>
+                <a:latin typeface="OCR A Extended" panose="02010509020102010303" pitchFamily="50" charset="0"/>
+              </a:rPr>
+              <a:t>Dwadzieścia_lat_od_ataku_z_11_wrześ%20(1).pdf</a:t>
+            </a:r>
+          </a:p>
+        </p:txBody>
+      </p:sp>
     </p:spTree>
     <p:extLst>
       <p:ext uri="{BB962C8B-B14F-4D97-AF65-F5344CB8AC3E}">
-        <p14:creationId xmlns:p14="http://schemas.microsoft.com/office/powerpoint/2010/main" val="936286649"/>
+        <p14:creationId xmlns:p14="http://schemas.microsoft.com/office/powerpoint/2010/main" val="1337549160"/>
       </p:ext>
     </p:extLst>
   </p:cSld>
@@ -3904,7 +3840,526 @@
 </p:sld>
 </file>
 
-<file path=ppt/slides/slide13.xml><?xml version="1.0" encoding="utf-8"?>
+<file path=ppt/slides/slide2.xml><?xml version="1.0" encoding="utf-8"?>
+<p:sld xmlns:a="http://schemas.openxmlformats.org/drawingml/2006/main" xmlns:r="http://schemas.openxmlformats.org/officeDocument/2006/relationships" xmlns:p="http://schemas.openxmlformats.org/presentationml/2006/main">
+  <p:cSld>
+    <p:bg>
+      <p:bgPr>
+        <a:blipFill dpi="0" rotWithShape="1">
+          <a:blip r:embed="rId2">
+            <a:alphaModFix amt="32000"/>
+            <a:lum/>
+          </a:blip>
+          <a:srcRect/>
+          <a:stretch>
+            <a:fillRect l="-1000" r="-1000"/>
+          </a:stretch>
+        </a:blipFill>
+        <a:effectLst/>
+      </p:bgPr>
+    </p:bg>
+    <p:spTree>
+      <p:nvGrpSpPr>
+        <p:cNvPr id="1" name=""/>
+        <p:cNvGrpSpPr/>
+        <p:nvPr/>
+      </p:nvGrpSpPr>
+      <p:grpSpPr>
+        <a:xfrm>
+          <a:off x="0" y="0"/>
+          <a:ext cx="0" cy="0"/>
+          <a:chOff x="0" y="0"/>
+          <a:chExt cx="0" cy="0"/>
+        </a:xfrm>
+      </p:grpSpPr>
+      <p:sp>
+        <p:nvSpPr>
+          <p:cNvPr id="2" name="Tytuł 1">
+            <a:extLst>
+              <a:ext uri="{FF2B5EF4-FFF2-40B4-BE49-F238E27FC236}">
+                <a16:creationId xmlns:a16="http://schemas.microsoft.com/office/drawing/2014/main" id="{6CC0E04C-1C0C-4D4A-DE41-C921E8919237}"/>
+              </a:ext>
+            </a:extLst>
+          </p:cNvPr>
+          <p:cNvSpPr>
+            <a:spLocks noGrp="1"/>
+          </p:cNvSpPr>
+          <p:nvPr>
+            <p:ph type="title"/>
+          </p:nvPr>
+        </p:nvSpPr>
+        <p:spPr>
+          <a:xfrm>
+            <a:off x="838200" y="457200"/>
+            <a:ext cx="10906760" cy="1138555"/>
+          </a:xfrm>
+        </p:spPr>
+        <p:txBody>
+          <a:bodyPr>
+            <a:normAutofit/>
+          </a:bodyPr>
+          <a:lstStyle/>
+          <a:p>
+            <a:r>
+              <a:rPr lang="pl-PL" sz="4000" b="1" dirty="0">
+                <a:latin typeface="OCR A Extended" panose="02010509020102010303" pitchFamily="50" charset="0"/>
+              </a:rPr>
+              <a:t>FAKTY</a:t>
+            </a:r>
+            <a:endParaRPr lang="pl-PL" sz="4000" b="1" dirty="0">
+              <a:latin typeface="Wingdings" panose="05000000000000000000" pitchFamily="2" charset="2"/>
+            </a:endParaRPr>
+          </a:p>
+        </p:txBody>
+      </p:sp>
+      <p:sp>
+        <p:nvSpPr>
+          <p:cNvPr id="3" name="Symbol zastępczy zawartości 2">
+            <a:extLst>
+              <a:ext uri="{FF2B5EF4-FFF2-40B4-BE49-F238E27FC236}">
+                <a16:creationId xmlns:a16="http://schemas.microsoft.com/office/drawing/2014/main" id="{CC1395E2-0D73-3F0A-96FC-27A5B3C3368D}"/>
+              </a:ext>
+            </a:extLst>
+          </p:cNvPr>
+          <p:cNvSpPr>
+            <a:spLocks noGrp="1"/>
+          </p:cNvSpPr>
+          <p:nvPr>
+            <p:ph idx="1"/>
+          </p:nvPr>
+        </p:nvSpPr>
+        <p:spPr>
+          <a:xfrm>
+            <a:off x="838200" y="1889126"/>
+            <a:ext cx="10906760" cy="4511674"/>
+          </a:xfrm>
+        </p:spPr>
+        <p:txBody>
+          <a:bodyPr>
+            <a:normAutofit/>
+          </a:bodyPr>
+          <a:lstStyle/>
+          <a:p>
+            <a:pPr marL="0" indent="0">
+              <a:buNone/>
+            </a:pPr>
+            <a:r>
+              <a:rPr lang="pl-PL" b="1" dirty="0">
+                <a:latin typeface="Wingdings" panose="05000000000000000000" pitchFamily="2" charset="2"/>
+              </a:rPr>
+              <a:t>Q</a:t>
+            </a:r>
+            <a:r>
+              <a:rPr lang="pl-PL" sz="1600" b="1" dirty="0">
+                <a:latin typeface="Wingdings" panose="05000000000000000000" pitchFamily="2" charset="2"/>
+              </a:rPr>
+              <a:t> </a:t>
+            </a:r>
+            <a:r>
+              <a:rPr lang="pl-PL" sz="1600" b="1" dirty="0">
+                <a:latin typeface="OCR A Extended" panose="02010509020102010303" pitchFamily="50" charset="0"/>
+              </a:rPr>
+              <a:t>nr 11 American Airlines Boston -&gt; Los Angeles  7:59</a:t>
+            </a:r>
+          </a:p>
+          <a:p>
+            <a:pPr marL="0" indent="0">
+              <a:buNone/>
+            </a:pPr>
+            <a:r>
+              <a:rPr lang="pl-PL" sz="1600" b="1" dirty="0">
+                <a:latin typeface="OCR A Extended" panose="02010509020102010303" pitchFamily="50" charset="0"/>
+              </a:rPr>
+              <a:t>    </a:t>
+            </a:r>
+            <a:r>
+              <a:rPr lang="pl-PL" sz="1600" b="1" dirty="0">
+                <a:latin typeface="Wingdings" panose="05000000000000000000" pitchFamily="2" charset="2"/>
+              </a:rPr>
+              <a:t>M</a:t>
+            </a:r>
+            <a:r>
+              <a:rPr lang="pl-PL" sz="1600" b="1" dirty="0">
+                <a:latin typeface="OCR A Extended" panose="02010509020102010303" pitchFamily="50" charset="0"/>
+              </a:rPr>
+              <a:t> o 8:46 uderza w północną </a:t>
+            </a:r>
+            <a:r>
+              <a:rPr lang="pl-PL" sz="1600" b="1" dirty="0">
+                <a:latin typeface="Wingdings" panose="05000000000000000000" pitchFamily="2" charset="2"/>
+              </a:rPr>
+              <a:t>3</a:t>
+            </a:r>
+            <a:r>
+              <a:rPr lang="pl-PL" sz="1600" b="1" dirty="0">
+                <a:latin typeface="OCR A Extended" panose="02010509020102010303" pitchFamily="50" charset="0"/>
+              </a:rPr>
+              <a:t> World Trade Center</a:t>
+            </a:r>
+            <a:endParaRPr lang="pl-PL" sz="1600" b="1" dirty="0">
+              <a:latin typeface="Wingdings" panose="05000000000000000000" pitchFamily="2" charset="2"/>
+            </a:endParaRPr>
+          </a:p>
+          <a:p>
+            <a:pPr marL="0" indent="0">
+              <a:buNone/>
+            </a:pPr>
+            <a:endParaRPr lang="pl-PL" sz="1600" b="1" dirty="0">
+              <a:latin typeface="OCR A Extended" panose="02010509020102010303" pitchFamily="50" charset="0"/>
+            </a:endParaRPr>
+          </a:p>
+          <a:p>
+            <a:pPr marL="0" indent="0">
+              <a:buNone/>
+            </a:pPr>
+            <a:r>
+              <a:rPr lang="pl-PL" b="1" dirty="0">
+                <a:latin typeface="Wingdings" panose="05000000000000000000" pitchFamily="2" charset="2"/>
+              </a:rPr>
+              <a:t>Q</a:t>
+            </a:r>
+            <a:r>
+              <a:rPr lang="pl-PL" sz="1600" b="1" dirty="0">
+                <a:latin typeface="Wingdings" panose="05000000000000000000" pitchFamily="2" charset="2"/>
+              </a:rPr>
+              <a:t> </a:t>
+            </a:r>
+            <a:r>
+              <a:rPr lang="pl-PL" sz="1600" b="1" dirty="0">
+                <a:latin typeface="OCR A Extended" panose="02010509020102010303" pitchFamily="50" charset="0"/>
+              </a:rPr>
+              <a:t>nr 175 United Airlines Boston -&gt; Los Angeles 8:14</a:t>
+            </a:r>
+          </a:p>
+          <a:p>
+            <a:pPr marL="0" indent="0">
+              <a:buNone/>
+            </a:pPr>
+            <a:r>
+              <a:rPr lang="pl-PL" sz="1600" b="1" dirty="0">
+                <a:latin typeface="OCR A Extended" panose="02010509020102010303" pitchFamily="50" charset="0"/>
+              </a:rPr>
+              <a:t>    </a:t>
+            </a:r>
+            <a:r>
+              <a:rPr lang="pl-PL" sz="1600" b="1" dirty="0">
+                <a:latin typeface="Wingdings" panose="05000000000000000000" pitchFamily="2" charset="2"/>
+              </a:rPr>
+              <a:t>M</a:t>
+            </a:r>
+            <a:r>
+              <a:rPr lang="pl-PL" sz="1600" b="1" dirty="0">
+                <a:latin typeface="OCR A Extended" panose="02010509020102010303" pitchFamily="50" charset="0"/>
+              </a:rPr>
+              <a:t> o 9:03 uderza w południową </a:t>
+            </a:r>
+            <a:r>
+              <a:rPr lang="pl-PL" sz="1600" b="1" dirty="0">
+                <a:latin typeface="Wingdings" panose="05000000000000000000" pitchFamily="2" charset="2"/>
+              </a:rPr>
+              <a:t>3</a:t>
+            </a:r>
+            <a:r>
+              <a:rPr lang="pl-PL" sz="1600" b="1" dirty="0">
+                <a:latin typeface="OCR A Extended" panose="02010509020102010303" pitchFamily="50" charset="0"/>
+              </a:rPr>
+              <a:t> WTC</a:t>
+            </a:r>
+          </a:p>
+          <a:p>
+            <a:pPr marL="0" indent="0">
+              <a:buNone/>
+            </a:pPr>
+            <a:endParaRPr lang="pl-PL" sz="1600" b="1" dirty="0">
+              <a:latin typeface="OCR A Extended" panose="02010509020102010303" pitchFamily="50" charset="0"/>
+            </a:endParaRPr>
+          </a:p>
+          <a:p>
+            <a:pPr marL="0" indent="0">
+              <a:buNone/>
+            </a:pPr>
+            <a:r>
+              <a:rPr lang="pl-PL" b="1" dirty="0">
+                <a:latin typeface="Wingdings" panose="05000000000000000000" pitchFamily="2" charset="2"/>
+              </a:rPr>
+              <a:t>Q</a:t>
+            </a:r>
+            <a:r>
+              <a:rPr lang="pl-PL" sz="1600" b="1" dirty="0">
+                <a:latin typeface="Wingdings" panose="05000000000000000000" pitchFamily="2" charset="2"/>
+              </a:rPr>
+              <a:t> </a:t>
+            </a:r>
+            <a:r>
+              <a:rPr lang="pl-PL" sz="1600" b="1" dirty="0">
+                <a:latin typeface="OCR A Extended" panose="02010509020102010303" pitchFamily="50" charset="0"/>
+              </a:rPr>
+              <a:t>nr 77 American Airlines Waszyngton -&gt; Los Angeles 8:20</a:t>
+            </a:r>
+          </a:p>
+          <a:p>
+            <a:pPr marL="0" indent="0">
+              <a:buNone/>
+            </a:pPr>
+            <a:r>
+              <a:rPr lang="pl-PL" sz="1600" b="1" dirty="0">
+                <a:latin typeface="OCR A Extended" panose="02010509020102010303" pitchFamily="50" charset="0"/>
+              </a:rPr>
+              <a:t>    </a:t>
+            </a:r>
+            <a:r>
+              <a:rPr lang="pl-PL" sz="1600" b="1" dirty="0">
+                <a:latin typeface="Wingdings" panose="05000000000000000000" pitchFamily="2" charset="2"/>
+              </a:rPr>
+              <a:t>M</a:t>
+            </a:r>
+            <a:r>
+              <a:rPr lang="pl-PL" sz="1600" b="1" dirty="0">
+                <a:latin typeface="OCR A Extended" panose="02010509020102010303" pitchFamily="50" charset="0"/>
+              </a:rPr>
+              <a:t> o 9:37 rozbija się o zachodnie skrzydło Pentagonu</a:t>
+            </a:r>
+            <a:endParaRPr lang="pl-PL" sz="1600" b="1" dirty="0">
+              <a:latin typeface="Wingdings" panose="05000000000000000000" pitchFamily="2" charset="2"/>
+            </a:endParaRPr>
+          </a:p>
+          <a:p>
+            <a:pPr marL="0" indent="0">
+              <a:buNone/>
+            </a:pPr>
+            <a:endParaRPr lang="pl-PL" sz="1600" b="1" dirty="0">
+              <a:latin typeface="OCR A Extended" panose="02010509020102010303" pitchFamily="50" charset="0"/>
+            </a:endParaRPr>
+          </a:p>
+          <a:p>
+            <a:pPr marL="0" indent="0">
+              <a:buNone/>
+            </a:pPr>
+            <a:r>
+              <a:rPr lang="pl-PL" b="1" dirty="0">
+                <a:latin typeface="Wingdings" panose="05000000000000000000" pitchFamily="2" charset="2"/>
+              </a:rPr>
+              <a:t>Q</a:t>
+            </a:r>
+            <a:r>
+              <a:rPr lang="pl-PL" sz="1600" b="1" dirty="0">
+                <a:latin typeface="Wingdings" panose="05000000000000000000" pitchFamily="2" charset="2"/>
+              </a:rPr>
+              <a:t> </a:t>
+            </a:r>
+            <a:r>
+              <a:rPr lang="pl-PL" sz="1600" b="1" dirty="0">
+                <a:latin typeface="OCR A Extended" panose="02010509020102010303" pitchFamily="50" charset="0"/>
+              </a:rPr>
+              <a:t>nr 93 United Airlines Newark -&gt; San Francisco 8:42</a:t>
+            </a:r>
+          </a:p>
+          <a:p>
+            <a:pPr marL="0" indent="0">
+              <a:buNone/>
+            </a:pPr>
+            <a:r>
+              <a:rPr lang="pl-PL" sz="1600" b="1" dirty="0">
+                <a:latin typeface="OCR A Extended" panose="02010509020102010303" pitchFamily="50" charset="0"/>
+              </a:rPr>
+              <a:t>    </a:t>
+            </a:r>
+            <a:r>
+              <a:rPr lang="pl-PL" sz="1600" b="1" dirty="0">
+                <a:latin typeface="Wingdings" panose="05000000000000000000" pitchFamily="2" charset="2"/>
+              </a:rPr>
+              <a:t>M</a:t>
+            </a:r>
+            <a:r>
+              <a:rPr lang="pl-PL" sz="1600" b="1" dirty="0">
+                <a:latin typeface="OCR A Extended" panose="02010509020102010303" pitchFamily="50" charset="0"/>
+              </a:rPr>
+              <a:t> o 10:06 rozbija się na polu w Pensylwanii</a:t>
+            </a:r>
+          </a:p>
+          <a:p>
+            <a:pPr marL="0" indent="0">
+              <a:buNone/>
+            </a:pPr>
+            <a:endParaRPr lang="pl-PL" sz="1600" b="1" dirty="0">
+              <a:latin typeface="OCR A Extended" panose="02010509020102010303" pitchFamily="50" charset="0"/>
+            </a:endParaRPr>
+          </a:p>
+        </p:txBody>
+      </p:sp>
+    </p:spTree>
+    <p:extLst>
+      <p:ext uri="{BB962C8B-B14F-4D97-AF65-F5344CB8AC3E}">
+        <p14:creationId xmlns:p14="http://schemas.microsoft.com/office/powerpoint/2010/main" val="3720170131"/>
+      </p:ext>
+    </p:extLst>
+  </p:cSld>
+  <p:clrMapOvr>
+    <a:masterClrMapping/>
+  </p:clrMapOvr>
+</p:sld>
+</file>
+
+<file path=ppt/slides/slide3.xml><?xml version="1.0" encoding="utf-8"?>
+<p:sld xmlns:a="http://schemas.openxmlformats.org/drawingml/2006/main" xmlns:r="http://schemas.openxmlformats.org/officeDocument/2006/relationships" xmlns:p="http://schemas.openxmlformats.org/presentationml/2006/main">
+  <p:cSld>
+    <p:bg>
+      <p:bgPr>
+        <a:blipFill dpi="0" rotWithShape="1">
+          <a:blip r:embed="rId2">
+            <a:alphaModFix amt="32000"/>
+            <a:lum/>
+          </a:blip>
+          <a:srcRect/>
+          <a:stretch>
+            <a:fillRect l="-1000" r="-1000"/>
+          </a:stretch>
+        </a:blipFill>
+        <a:effectLst/>
+      </p:bgPr>
+    </p:bg>
+    <p:spTree>
+      <p:nvGrpSpPr>
+        <p:cNvPr id="1" name=""/>
+        <p:cNvGrpSpPr/>
+        <p:nvPr/>
+      </p:nvGrpSpPr>
+      <p:grpSpPr>
+        <a:xfrm>
+          <a:off x="0" y="0"/>
+          <a:ext cx="0" cy="0"/>
+          <a:chOff x="0" y="0"/>
+          <a:chExt cx="0" cy="0"/>
+        </a:xfrm>
+      </p:grpSpPr>
+      <p:sp>
+        <p:nvSpPr>
+          <p:cNvPr id="2" name="Tytuł 1">
+            <a:extLst>
+              <a:ext uri="{FF2B5EF4-FFF2-40B4-BE49-F238E27FC236}">
+                <a16:creationId xmlns:a16="http://schemas.microsoft.com/office/drawing/2014/main" id="{6CC0E04C-1C0C-4D4A-DE41-C921E8919237}"/>
+              </a:ext>
+            </a:extLst>
+          </p:cNvPr>
+          <p:cNvSpPr>
+            <a:spLocks noGrp="1"/>
+          </p:cNvSpPr>
+          <p:nvPr>
+            <p:ph type="title"/>
+          </p:nvPr>
+        </p:nvSpPr>
+        <p:spPr>
+          <a:xfrm>
+            <a:off x="838200" y="497205"/>
+            <a:ext cx="10906760" cy="1138555"/>
+          </a:xfrm>
+        </p:spPr>
+        <p:txBody>
+          <a:bodyPr>
+            <a:normAutofit/>
+          </a:bodyPr>
+          <a:lstStyle/>
+          <a:p>
+            <a:pPr algn="ctr"/>
+            <a:r>
+              <a:rPr lang="pl-PL" sz="4000" b="1" dirty="0">
+                <a:latin typeface="OCR A Extended" panose="02010509020102010303" pitchFamily="50" charset="0"/>
+              </a:rPr>
+              <a:t>DANE PORWANYCH SAMOLOTÓW</a:t>
+            </a:r>
+          </a:p>
+        </p:txBody>
+      </p:sp>
+      <p:sp>
+        <p:nvSpPr>
+          <p:cNvPr id="6" name="pole tekstowe 5">
+            <a:extLst>
+              <a:ext uri="{FF2B5EF4-FFF2-40B4-BE49-F238E27FC236}">
+                <a16:creationId xmlns:a16="http://schemas.microsoft.com/office/drawing/2014/main" id="{778A7A85-84C3-1EE1-90E4-497DB8904746}"/>
+              </a:ext>
+            </a:extLst>
+          </p:cNvPr>
+          <p:cNvSpPr txBox="1"/>
+          <p:nvPr/>
+        </p:nvSpPr>
+        <p:spPr>
+          <a:xfrm>
+            <a:off x="955040" y="4307840"/>
+            <a:ext cx="11064240" cy="830997"/>
+          </a:xfrm>
+          <a:prstGeom prst="rect">
+            <a:avLst/>
+          </a:prstGeom>
+          <a:noFill/>
+        </p:spPr>
+        <p:txBody>
+          <a:bodyPr wrap="square" rtlCol="0">
+            <a:spAutoFit/>
+          </a:bodyPr>
+          <a:lstStyle/>
+          <a:p>
+            <a:pPr algn="ctr"/>
+            <a:r>
+              <a:rPr lang="pl-PL" sz="2400" b="1" dirty="0">
+                <a:latin typeface="OCR A Extended" panose="02010509020102010303" pitchFamily="50" charset="0"/>
+              </a:rPr>
+              <a:t>występują pewne nieścisłości z danymi pochodzącymi</a:t>
+            </a:r>
+          </a:p>
+          <a:p>
+            <a:pPr algn="ctr"/>
+            <a:r>
+              <a:rPr lang="pl-PL" sz="2400" b="1" dirty="0">
+                <a:latin typeface="OCR A Extended" panose="02010509020102010303" pitchFamily="50" charset="0"/>
+              </a:rPr>
+              <a:t>z innych źródeł</a:t>
+            </a:r>
+          </a:p>
+        </p:txBody>
+      </p:sp>
+      <p:pic>
+        <p:nvPicPr>
+          <p:cNvPr id="10" name="Symbol zastępczy zawartości 9">
+            <a:extLst>
+              <a:ext uri="{FF2B5EF4-FFF2-40B4-BE49-F238E27FC236}">
+                <a16:creationId xmlns:a16="http://schemas.microsoft.com/office/drawing/2014/main" id="{877C2FED-03EB-D4EC-3817-BFFBD353105D}"/>
+              </a:ext>
+            </a:extLst>
+          </p:cNvPr>
+          <p:cNvPicPr>
+            <a:picLocks noGrp="1" noChangeAspect="1"/>
+          </p:cNvPicPr>
+          <p:nvPr>
+            <p:ph idx="1"/>
+          </p:nvPr>
+        </p:nvPicPr>
+        <p:blipFill>
+          <a:blip r:embed="rId3"/>
+          <a:stretch>
+            <a:fillRect/>
+          </a:stretch>
+        </p:blipFill>
+        <p:spPr>
+          <a:xfrm>
+            <a:off x="693295" y="2449977"/>
+            <a:ext cx="10534842" cy="979023"/>
+          </a:xfrm>
+        </p:spPr>
+      </p:pic>
+    </p:spTree>
+    <p:extLst>
+      <p:ext uri="{BB962C8B-B14F-4D97-AF65-F5344CB8AC3E}">
+        <p14:creationId xmlns:p14="http://schemas.microsoft.com/office/powerpoint/2010/main" val="4071255207"/>
+      </p:ext>
+    </p:extLst>
+  </p:cSld>
+  <p:clrMapOvr>
+    <a:masterClrMapping/>
+  </p:clrMapOvr>
+</p:sld>
+</file>
+
+<file path=ppt/slides/slide4.xml><?xml version="1.0" encoding="utf-8"?>
 <p:sld xmlns:a="http://schemas.openxmlformats.org/drawingml/2006/main" xmlns:r="http://schemas.openxmlformats.org/officeDocument/2006/relationships" xmlns:p="http://schemas.openxmlformats.org/presentationml/2006/main">
   <p:cSld>
     <p:bg>
@@ -3957,10 +4412,10 @@
       </p:grpSpPr>
       <p:pic>
         <p:nvPicPr>
-          <p:cNvPr id="4" name="Obraz 3" descr="Obraz zawierający tekst, zrzut ekranu, Czcionka, linia&#10;&#10;Opis wygenerowany automatycznie">
-            <a:extLst>
-              <a:ext uri="{FF2B5EF4-FFF2-40B4-BE49-F238E27FC236}">
-                <a16:creationId xmlns:a16="http://schemas.microsoft.com/office/drawing/2014/main" id="{DC4D2D62-BD93-3500-03F5-51850CE2F7FC}"/>
+          <p:cNvPr id="8" name="Obraz 7" descr="Obraz zawierający tekst, diagram, mapa&#10;&#10;Opis wygenerowany automatycznie">
+            <a:extLst>
+              <a:ext uri="{FF2B5EF4-FFF2-40B4-BE49-F238E27FC236}">
+                <a16:creationId xmlns:a16="http://schemas.microsoft.com/office/drawing/2014/main" id="{F5C43616-E6D7-C877-24D2-B4C43DC6A4C7}"/>
               </a:ext>
             </a:extLst>
           </p:cNvPr>
@@ -3983,8 +4438,8 @@
         </p:blipFill>
         <p:spPr>
           <a:xfrm>
-            <a:off x="955035" y="215897"/>
-            <a:ext cx="10281929" cy="6426205"/>
+            <a:off x="731515" y="76197"/>
+            <a:ext cx="10728969" cy="6705605"/>
           </a:xfrm>
           <a:prstGeom prst="rect">
             <a:avLst/>
@@ -3994,7 +4449,7 @@
     </p:spTree>
     <p:extLst>
       <p:ext uri="{BB962C8B-B14F-4D97-AF65-F5344CB8AC3E}">
-        <p14:creationId xmlns:p14="http://schemas.microsoft.com/office/powerpoint/2010/main" val="3673677870"/>
+        <p14:creationId xmlns:p14="http://schemas.microsoft.com/office/powerpoint/2010/main" val="1507990816"/>
       </p:ext>
     </p:extLst>
   </p:cSld>
@@ -4004,7 +4459,7 @@
 </p:sld>
 </file>
 
-<file path=ppt/slides/slide14.xml><?xml version="1.0" encoding="utf-8"?>
+<file path=ppt/slides/slide5.xml><?xml version="1.0" encoding="utf-8"?>
 <p:sld xmlns:a="http://schemas.openxmlformats.org/drawingml/2006/main" xmlns:r="http://schemas.openxmlformats.org/officeDocument/2006/relationships" xmlns:p="http://schemas.openxmlformats.org/presentationml/2006/main">
   <p:cSld>
     <p:bg>
@@ -4057,10 +4512,10 @@
       </p:grpSpPr>
       <p:pic>
         <p:nvPicPr>
-          <p:cNvPr id="4" name="Obraz 3" descr="Obraz zawierający tekst, zrzut ekranu, Czcionka, linia&#10;&#10;Opis wygenerowany automatycznie">
-            <a:extLst>
-              <a:ext uri="{FF2B5EF4-FFF2-40B4-BE49-F238E27FC236}">
-                <a16:creationId xmlns:a16="http://schemas.microsoft.com/office/drawing/2014/main" id="{4497E675-D5C5-5218-758E-A7E5D243F3C4}"/>
+          <p:cNvPr id="5" name="Obraz 4" descr="Obraz zawierający tekst, diagram, Wykres, linia&#10;&#10;Opis wygenerowany automatycznie">
+            <a:extLst>
+              <a:ext uri="{FF2B5EF4-FFF2-40B4-BE49-F238E27FC236}">
+                <a16:creationId xmlns:a16="http://schemas.microsoft.com/office/drawing/2014/main" id="{E920CBAF-578E-48F6-1C3A-0D160A58C0EF}"/>
               </a:ext>
             </a:extLst>
           </p:cNvPr>
@@ -4083,8 +4538,8 @@
         </p:blipFill>
         <p:spPr>
           <a:xfrm>
-            <a:off x="914395" y="190497"/>
-            <a:ext cx="10363209" cy="6477005"/>
+            <a:off x="936751" y="204470"/>
+            <a:ext cx="10318498" cy="6449060"/>
           </a:xfrm>
           <a:prstGeom prst="rect">
             <a:avLst/>
@@ -4094,1205 +4549,7 @@
     </p:spTree>
     <p:extLst>
       <p:ext uri="{BB962C8B-B14F-4D97-AF65-F5344CB8AC3E}">
-        <p14:creationId xmlns:p14="http://schemas.microsoft.com/office/powerpoint/2010/main" val="255177934"/>
-      </p:ext>
-    </p:extLst>
-  </p:cSld>
-  <p:clrMapOvr>
-    <a:masterClrMapping/>
-  </p:clrMapOvr>
-</p:sld>
-</file>
-
-<file path=ppt/slides/slide15.xml><?xml version="1.0" encoding="utf-8"?>
-<p:sld xmlns:a="http://schemas.openxmlformats.org/drawingml/2006/main" xmlns:r="http://schemas.openxmlformats.org/officeDocument/2006/relationships" xmlns:p="http://schemas.openxmlformats.org/presentationml/2006/main">
-  <p:cSld>
-    <p:bg>
-      <p:bgPr>
-        <a:blipFill dpi="0" rotWithShape="1">
-          <a:blip r:embed="rId2">
-            <a:alphaModFix amt="15000"/>
-            <a:lum/>
-          </a:blip>
-          <a:srcRect/>
-          <a:stretch>
-            <a:fillRect t="-9000" b="-9000"/>
-          </a:stretch>
-        </a:blipFill>
-        <a:effectLst/>
-      </p:bgPr>
-    </p:bg>
-    <p:spTree>
-      <p:nvGrpSpPr>
-        <p:cNvPr id="1" name=""/>
-        <p:cNvGrpSpPr/>
-        <p:nvPr/>
-      </p:nvGrpSpPr>
-      <p:grpSpPr>
-        <a:xfrm>
-          <a:off x="0" y="0"/>
-          <a:ext cx="0" cy="0"/>
-          <a:chOff x="0" y="0"/>
-          <a:chExt cx="0" cy="0"/>
-        </a:xfrm>
-      </p:grpSpPr>
-      <p:sp>
-        <p:nvSpPr>
-          <p:cNvPr id="2" name="Tytuł 1">
-            <a:extLst>
-              <a:ext uri="{FF2B5EF4-FFF2-40B4-BE49-F238E27FC236}">
-                <a16:creationId xmlns:a16="http://schemas.microsoft.com/office/drawing/2014/main" id="{FB785FB1-88E0-4792-A752-D0A7B4699D12}"/>
-              </a:ext>
-            </a:extLst>
-          </p:cNvPr>
-          <p:cNvSpPr>
-            <a:spLocks noGrp="1"/>
-          </p:cNvSpPr>
-          <p:nvPr>
-            <p:ph type="title"/>
-          </p:nvPr>
-        </p:nvSpPr>
-        <p:spPr>
-          <a:xfrm>
-            <a:off x="113030" y="245516"/>
-            <a:ext cx="11965940" cy="936836"/>
-          </a:xfrm>
-        </p:spPr>
-        <p:txBody>
-          <a:bodyPr>
-            <a:normAutofit/>
-          </a:bodyPr>
-          <a:lstStyle/>
-          <a:p>
-            <a:pPr algn="ctr"/>
-            <a:r>
-              <a:rPr lang="pl-PL" sz="4000" b="1" dirty="0">
-                <a:latin typeface="OCR A Extended" panose="02010509020102010303" pitchFamily="50" charset="0"/>
-              </a:rPr>
-              <a:t>SKUTKI DŁUGOTERMINOWE</a:t>
-            </a:r>
-          </a:p>
-        </p:txBody>
-      </p:sp>
-      <p:sp>
-        <p:nvSpPr>
-          <p:cNvPr id="7" name="Symbol zastępczy zawartości 6">
-            <a:extLst>
-              <a:ext uri="{FF2B5EF4-FFF2-40B4-BE49-F238E27FC236}">
-                <a16:creationId xmlns:a16="http://schemas.microsoft.com/office/drawing/2014/main" id="{9FC100E5-FED2-1B1F-9E49-525B0D62AB18}"/>
-              </a:ext>
-            </a:extLst>
-          </p:cNvPr>
-          <p:cNvSpPr>
-            <a:spLocks noGrp="1"/>
-          </p:cNvSpPr>
-          <p:nvPr>
-            <p:ph idx="1"/>
-          </p:nvPr>
-        </p:nvSpPr>
-        <p:spPr>
-          <a:xfrm>
-            <a:off x="1515108" y="1205856"/>
-            <a:ext cx="9161784" cy="429904"/>
-          </a:xfrm>
-        </p:spPr>
-        <p:txBody>
-          <a:bodyPr>
-            <a:noAutofit/>
-          </a:bodyPr>
-          <a:lstStyle/>
-          <a:p>
-            <a:pPr marL="0" indent="0" algn="ctr">
-              <a:buNone/>
-            </a:pPr>
-            <a:r>
-              <a:rPr lang="pl-PL" sz="1600" b="1" dirty="0">
-                <a:latin typeface="OCR A Extended" panose="02010509020102010303" pitchFamily="50" charset="0"/>
-              </a:rPr>
-              <a:t>Liczba lotów na terenie USA w pierwszym roku od katastrofy spadła o 13 %</a:t>
-            </a:r>
-          </a:p>
-        </p:txBody>
-      </p:sp>
-      <p:pic>
-        <p:nvPicPr>
-          <p:cNvPr id="4" name="Obraz 3" descr="Obraz zawierający tekst, zrzut ekranu, Czcionka, diagram&#10;&#10;Opis wygenerowany automatycznie">
-            <a:extLst>
-              <a:ext uri="{FF2B5EF4-FFF2-40B4-BE49-F238E27FC236}">
-                <a16:creationId xmlns:a16="http://schemas.microsoft.com/office/drawing/2014/main" id="{FCFC8DE4-6C79-7086-037B-B95F290D0582}"/>
-              </a:ext>
-            </a:extLst>
-          </p:cNvPr>
-          <p:cNvPicPr>
-            <a:picLocks noChangeAspect="1"/>
-          </p:cNvPicPr>
-          <p:nvPr/>
-        </p:nvPicPr>
-        <p:blipFill>
-          <a:blip r:embed="rId3">
-            <a:extLst>
-              <a:ext uri="{28A0092B-C50C-407E-A947-70E740481C1C}">
-                <a14:useLocalDpi xmlns:a14="http://schemas.microsoft.com/office/drawing/2010/main" val="0"/>
-              </a:ext>
-            </a:extLst>
-          </a:blip>
-          <a:stretch>
-            <a:fillRect/>
-          </a:stretch>
-        </p:blipFill>
-        <p:spPr>
-          <a:xfrm>
-            <a:off x="2438392" y="2040475"/>
-            <a:ext cx="7315215" cy="4572009"/>
-          </a:xfrm>
-          <a:prstGeom prst="rect">
-            <a:avLst/>
-          </a:prstGeom>
-        </p:spPr>
-      </p:pic>
-    </p:spTree>
-    <p:extLst>
-      <p:ext uri="{BB962C8B-B14F-4D97-AF65-F5344CB8AC3E}">
-        <p14:creationId xmlns:p14="http://schemas.microsoft.com/office/powerpoint/2010/main" val="2328481045"/>
-      </p:ext>
-    </p:extLst>
-  </p:cSld>
-  <p:clrMapOvr>
-    <a:masterClrMapping/>
-  </p:clrMapOvr>
-</p:sld>
-</file>
-
-<file path=ppt/slides/slide16.xml><?xml version="1.0" encoding="utf-8"?>
-<p:sld xmlns:a="http://schemas.openxmlformats.org/drawingml/2006/main" xmlns:r="http://schemas.openxmlformats.org/officeDocument/2006/relationships" xmlns:p="http://schemas.openxmlformats.org/presentationml/2006/main">
-  <p:cSld>
-    <p:bg>
-      <p:bgPr>
-        <a:blipFill dpi="0" rotWithShape="1">
-          <a:blip r:embed="rId2">
-            <a:alphaModFix amt="69000"/>
-            <a:lum/>
-          </a:blip>
-          <a:srcRect/>
-          <a:stretch>
-            <a:fillRect t="-9000" b="-9000"/>
-          </a:stretch>
-        </a:blipFill>
-        <a:effectLst/>
-      </p:bgPr>
-    </p:bg>
-    <p:spTree>
-      <p:nvGrpSpPr>
-        <p:cNvPr id="1" name=""/>
-        <p:cNvGrpSpPr/>
-        <p:nvPr/>
-      </p:nvGrpSpPr>
-      <p:grpSpPr>
-        <a:xfrm>
-          <a:off x="0" y="0"/>
-          <a:ext cx="0" cy="0"/>
-          <a:chOff x="0" y="0"/>
-          <a:chExt cx="0" cy="0"/>
-        </a:xfrm>
-      </p:grpSpPr>
-      <p:sp>
-        <p:nvSpPr>
-          <p:cNvPr id="2" name="Tytuł 1">
-            <a:extLst>
-              <a:ext uri="{FF2B5EF4-FFF2-40B4-BE49-F238E27FC236}">
-                <a16:creationId xmlns:a16="http://schemas.microsoft.com/office/drawing/2014/main" id="{FB785FB1-88E0-4792-A752-D0A7B4699D12}"/>
-              </a:ext>
-            </a:extLst>
-          </p:cNvPr>
-          <p:cNvSpPr>
-            <a:spLocks noGrp="1"/>
-          </p:cNvSpPr>
-          <p:nvPr>
-            <p:ph type="title"/>
-          </p:nvPr>
-        </p:nvSpPr>
-        <p:spPr>
-          <a:xfrm>
-            <a:off x="113030" y="675216"/>
-            <a:ext cx="11965940" cy="936836"/>
-          </a:xfrm>
-        </p:spPr>
-        <p:txBody>
-          <a:bodyPr>
-            <a:normAutofit/>
-          </a:bodyPr>
-          <a:lstStyle/>
-          <a:p>
-            <a:pPr algn="ctr"/>
-            <a:r>
-              <a:rPr lang="pl-PL" sz="4000" b="1" dirty="0">
-                <a:latin typeface="OCR A Extended" panose="02010509020102010303" pitchFamily="50" charset="0"/>
-              </a:rPr>
-              <a:t>ŹRÓDŁA</a:t>
-            </a:r>
-          </a:p>
-        </p:txBody>
-      </p:sp>
-      <p:sp>
-        <p:nvSpPr>
-          <p:cNvPr id="7" name="Symbol zastępczy zawartości 6">
-            <a:extLst>
-              <a:ext uri="{FF2B5EF4-FFF2-40B4-BE49-F238E27FC236}">
-                <a16:creationId xmlns:a16="http://schemas.microsoft.com/office/drawing/2014/main" id="{9FC100E5-FED2-1B1F-9E49-525B0D62AB18}"/>
-              </a:ext>
-            </a:extLst>
-          </p:cNvPr>
-          <p:cNvSpPr>
-            <a:spLocks noGrp="1"/>
-          </p:cNvSpPr>
-          <p:nvPr>
-            <p:ph idx="1"/>
-          </p:nvPr>
-        </p:nvSpPr>
-        <p:spPr>
-          <a:xfrm>
-            <a:off x="554990" y="4661324"/>
-            <a:ext cx="11271250" cy="1021928"/>
-          </a:xfrm>
-        </p:spPr>
-        <p:txBody>
-          <a:bodyPr>
-            <a:noAutofit/>
-          </a:bodyPr>
-          <a:lstStyle/>
-          <a:p>
-            <a:pPr marL="0" indent="0" algn="ctr">
-              <a:buNone/>
-            </a:pPr>
-            <a:r>
-              <a:rPr lang="pl-PL" sz="900" b="1" dirty="0">
-                <a:solidFill>
-                  <a:schemeClr val="bg1"/>
-                </a:solidFill>
-                <a:latin typeface="OCR A Extended" panose="02010509020102010303" pitchFamily="50" charset="0"/>
-              </a:rPr>
-              <a:t>https://obserwatorlogistyczny.pl/2022/09/11/jak-ataki-z-11-wrzesnia-zmienily-branze-lotnicza/</a:t>
-            </a:r>
-          </a:p>
-          <a:p>
-            <a:pPr marL="0" indent="0" algn="ctr">
-              <a:buNone/>
-            </a:pPr>
-            <a:r>
-              <a:rPr lang="pl-PL" sz="900" b="1" dirty="0">
-                <a:solidFill>
-                  <a:schemeClr val="bg1"/>
-                </a:solidFill>
-                <a:latin typeface="OCR A Extended" panose="02010509020102010303" pitchFamily="50" charset="0"/>
-              </a:rPr>
-              <a:t>https://www.tokfm.pl/Tokfm/7,103086,10263848,zamachy-11-wrzesnia-2001-roku-rekonstrukcja-zdarzen-minuta.html</a:t>
-            </a:r>
-          </a:p>
-          <a:p>
-            <a:pPr marL="0" indent="0" algn="ctr">
-              <a:buNone/>
-            </a:pPr>
-            <a:r>
-              <a:rPr lang="pl-PL" sz="900" b="1" dirty="0">
-                <a:solidFill>
-                  <a:schemeClr val="bg1"/>
-                </a:solidFill>
-                <a:latin typeface="OCR A Extended" panose="02010509020102010303" pitchFamily="50" charset="0"/>
-              </a:rPr>
-              <a:t>https://pl.wikipedia.org/wiki/Zamach_z_11_wrze%C5%9Bnia_2001_roku</a:t>
-            </a:r>
-          </a:p>
-          <a:p>
-            <a:pPr marL="0" indent="0" algn="ctr">
-              <a:buNone/>
-            </a:pPr>
-            <a:r>
-              <a:rPr lang="pl-PL" sz="900" b="1" dirty="0">
-                <a:solidFill>
-                  <a:schemeClr val="bg1"/>
-                </a:solidFill>
-                <a:latin typeface="OCR A Extended" panose="02010509020102010303" pitchFamily="50" charset="0"/>
-              </a:rPr>
-              <a:t>Dwadzieścia_lat_od_ataku_z_11_wrześ%20(1).pdf</a:t>
-            </a:r>
-          </a:p>
-        </p:txBody>
-      </p:sp>
-    </p:spTree>
-    <p:extLst>
-      <p:ext uri="{BB962C8B-B14F-4D97-AF65-F5344CB8AC3E}">
-        <p14:creationId xmlns:p14="http://schemas.microsoft.com/office/powerpoint/2010/main" val="1337549160"/>
-      </p:ext>
-    </p:extLst>
-  </p:cSld>
-  <p:clrMapOvr>
-    <a:masterClrMapping/>
-  </p:clrMapOvr>
-</p:sld>
-</file>
-
-<file path=ppt/slides/slide2.xml><?xml version="1.0" encoding="utf-8"?>
-<p:sld xmlns:a="http://schemas.openxmlformats.org/drawingml/2006/main" xmlns:r="http://schemas.openxmlformats.org/officeDocument/2006/relationships" xmlns:p="http://schemas.openxmlformats.org/presentationml/2006/main">
-  <p:cSld>
-    <p:bg>
-      <p:bgPr>
-        <a:blipFill dpi="0" rotWithShape="1">
-          <a:blip r:embed="rId2">
-            <a:alphaModFix amt="32000"/>
-            <a:lum/>
-          </a:blip>
-          <a:srcRect/>
-          <a:stretch>
-            <a:fillRect l="-1000" r="-1000"/>
-          </a:stretch>
-        </a:blipFill>
-        <a:effectLst/>
-      </p:bgPr>
-    </p:bg>
-    <p:spTree>
-      <p:nvGrpSpPr>
-        <p:cNvPr id="1" name=""/>
-        <p:cNvGrpSpPr/>
-        <p:nvPr/>
-      </p:nvGrpSpPr>
-      <p:grpSpPr>
-        <a:xfrm>
-          <a:off x="0" y="0"/>
-          <a:ext cx="0" cy="0"/>
-          <a:chOff x="0" y="0"/>
-          <a:chExt cx="0" cy="0"/>
-        </a:xfrm>
-      </p:grpSpPr>
-      <p:sp>
-        <p:nvSpPr>
-          <p:cNvPr id="2" name="Tytuł 1">
-            <a:extLst>
-              <a:ext uri="{FF2B5EF4-FFF2-40B4-BE49-F238E27FC236}">
-                <a16:creationId xmlns:a16="http://schemas.microsoft.com/office/drawing/2014/main" id="{6CC0E04C-1C0C-4D4A-DE41-C921E8919237}"/>
-              </a:ext>
-            </a:extLst>
-          </p:cNvPr>
-          <p:cNvSpPr>
-            <a:spLocks noGrp="1"/>
-          </p:cNvSpPr>
-          <p:nvPr>
-            <p:ph type="title"/>
-          </p:nvPr>
-        </p:nvSpPr>
-        <p:spPr>
-          <a:xfrm>
-            <a:off x="838200" y="497205"/>
-            <a:ext cx="10906760" cy="1138555"/>
-          </a:xfrm>
-        </p:spPr>
-        <p:txBody>
-          <a:bodyPr>
-            <a:normAutofit/>
-          </a:bodyPr>
-          <a:lstStyle/>
-          <a:p>
-            <a:r>
-              <a:rPr lang="pl-PL" sz="4000" b="1" dirty="0">
-                <a:latin typeface="OCR A Extended" panose="02010509020102010303" pitchFamily="50" charset="0"/>
-              </a:rPr>
-              <a:t>FAKTY</a:t>
-            </a:r>
-            <a:endParaRPr lang="pl-PL" sz="4000" b="1" dirty="0">
-              <a:latin typeface="Wingdings" panose="05000000000000000000" pitchFamily="2" charset="2"/>
-            </a:endParaRPr>
-          </a:p>
-        </p:txBody>
-      </p:sp>
-      <p:sp>
-        <p:nvSpPr>
-          <p:cNvPr id="3" name="Symbol zastępczy zawartości 2">
-            <a:extLst>
-              <a:ext uri="{FF2B5EF4-FFF2-40B4-BE49-F238E27FC236}">
-                <a16:creationId xmlns:a16="http://schemas.microsoft.com/office/drawing/2014/main" id="{CC1395E2-0D73-3F0A-96FC-27A5B3C3368D}"/>
-              </a:ext>
-            </a:extLst>
-          </p:cNvPr>
-          <p:cNvSpPr>
-            <a:spLocks noGrp="1"/>
-          </p:cNvSpPr>
-          <p:nvPr>
-            <p:ph idx="1"/>
-          </p:nvPr>
-        </p:nvSpPr>
-        <p:spPr>
-          <a:xfrm>
-            <a:off x="838200" y="2640966"/>
-            <a:ext cx="10835640" cy="3292474"/>
-          </a:xfrm>
-        </p:spPr>
-        <p:txBody>
-          <a:bodyPr>
-            <a:normAutofit/>
-          </a:bodyPr>
-          <a:lstStyle/>
-          <a:p>
-            <a:pPr marL="0" indent="0">
-              <a:buNone/>
-            </a:pPr>
-            <a:r>
-              <a:rPr lang="pl-PL" sz="4000" b="1" dirty="0">
-                <a:latin typeface="Wingdings" panose="05000000000000000000" pitchFamily="2" charset="2"/>
-              </a:rPr>
-              <a:t>Q</a:t>
-            </a:r>
-            <a:r>
-              <a:rPr lang="pl-PL" sz="3200" b="1" dirty="0">
-                <a:latin typeface="Wingdings" panose="05000000000000000000" pitchFamily="2" charset="2"/>
-              </a:rPr>
-              <a:t> </a:t>
-            </a:r>
-            <a:r>
-              <a:rPr lang="pl-PL" sz="2400" b="1" dirty="0">
-                <a:latin typeface="OCR A Extended" panose="02010509020102010303" pitchFamily="50" charset="0"/>
-              </a:rPr>
-              <a:t>nr 11 American Airlines Boston -&gt; Los Angeles  7:59</a:t>
-            </a:r>
-          </a:p>
-          <a:p>
-            <a:pPr marL="0" indent="0">
-              <a:buNone/>
-            </a:pPr>
-            <a:r>
-              <a:rPr lang="pl-PL" sz="2400" b="1" dirty="0">
-                <a:latin typeface="OCR A Extended" panose="02010509020102010303" pitchFamily="50" charset="0"/>
-              </a:rPr>
-              <a:t>    </a:t>
-            </a:r>
-            <a:r>
-              <a:rPr lang="pl-PL" b="1" dirty="0">
-                <a:latin typeface="Wingdings" panose="05000000000000000000" pitchFamily="2" charset="2"/>
-              </a:rPr>
-              <a:t>M</a:t>
-            </a:r>
-            <a:r>
-              <a:rPr lang="pl-PL" sz="2400" b="1" dirty="0">
-                <a:latin typeface="OCR A Extended" panose="02010509020102010303" pitchFamily="50" charset="0"/>
-              </a:rPr>
-              <a:t> o 8:46 uderza w północną </a:t>
-            </a:r>
-            <a:r>
-              <a:rPr lang="pl-PL" sz="3600" b="1" dirty="0">
-                <a:latin typeface="Wingdings" panose="05000000000000000000" pitchFamily="2" charset="2"/>
-              </a:rPr>
-              <a:t>3</a:t>
-            </a:r>
-            <a:r>
-              <a:rPr lang="pl-PL" sz="3600" b="1" dirty="0">
-                <a:latin typeface="OCR A Extended" panose="02010509020102010303" pitchFamily="50" charset="0"/>
-              </a:rPr>
-              <a:t> </a:t>
-            </a:r>
-            <a:r>
-              <a:rPr lang="pl-PL" sz="2400" b="1" dirty="0">
-                <a:latin typeface="OCR A Extended" panose="02010509020102010303" pitchFamily="50" charset="0"/>
-              </a:rPr>
-              <a:t>World Trade Center</a:t>
-            </a:r>
-            <a:endParaRPr lang="pl-PL" sz="2400" b="1" dirty="0">
-              <a:latin typeface="Wingdings" panose="05000000000000000000" pitchFamily="2" charset="2"/>
-            </a:endParaRPr>
-          </a:p>
-          <a:p>
-            <a:pPr marL="0" indent="0">
-              <a:buNone/>
-            </a:pPr>
-            <a:endParaRPr lang="pl-PL" sz="2400" b="1" dirty="0">
-              <a:latin typeface="OCR A Extended" panose="02010509020102010303" pitchFamily="50" charset="0"/>
-            </a:endParaRPr>
-          </a:p>
-          <a:p>
-            <a:pPr marL="0" indent="0">
-              <a:buNone/>
-            </a:pPr>
-            <a:r>
-              <a:rPr lang="pl-PL" sz="4000" b="1" dirty="0">
-                <a:latin typeface="Wingdings" panose="05000000000000000000" pitchFamily="2" charset="2"/>
-              </a:rPr>
-              <a:t>Q</a:t>
-            </a:r>
-            <a:r>
-              <a:rPr lang="pl-PL" sz="3200" b="1" dirty="0">
-                <a:latin typeface="Wingdings" panose="05000000000000000000" pitchFamily="2" charset="2"/>
-              </a:rPr>
-              <a:t> </a:t>
-            </a:r>
-            <a:r>
-              <a:rPr lang="pl-PL" sz="2400" b="1" dirty="0">
-                <a:latin typeface="OCR A Extended" panose="02010509020102010303" pitchFamily="50" charset="0"/>
-              </a:rPr>
-              <a:t>nr 175 United Airlines Boston -&gt; Los Angeles 8:14</a:t>
-            </a:r>
-          </a:p>
-          <a:p>
-            <a:pPr marL="0" indent="0">
-              <a:buNone/>
-            </a:pPr>
-            <a:r>
-              <a:rPr lang="pl-PL" sz="2400" b="1" dirty="0">
-                <a:latin typeface="OCR A Extended" panose="02010509020102010303" pitchFamily="50" charset="0"/>
-              </a:rPr>
-              <a:t>    </a:t>
-            </a:r>
-            <a:r>
-              <a:rPr lang="pl-PL" b="1" dirty="0">
-                <a:latin typeface="Wingdings" panose="05000000000000000000" pitchFamily="2" charset="2"/>
-              </a:rPr>
-              <a:t>M</a:t>
-            </a:r>
-            <a:r>
-              <a:rPr lang="pl-PL" sz="2000" b="1" dirty="0">
-                <a:latin typeface="OCR A Extended" panose="02010509020102010303" pitchFamily="50" charset="0"/>
-              </a:rPr>
-              <a:t> </a:t>
-            </a:r>
-            <a:r>
-              <a:rPr lang="pl-PL" sz="2400" b="1" dirty="0">
-                <a:latin typeface="OCR A Extended" panose="02010509020102010303" pitchFamily="50" charset="0"/>
-              </a:rPr>
-              <a:t>o 9:03 uderza w południową </a:t>
-            </a:r>
-            <a:r>
-              <a:rPr lang="pl-PL" sz="3600" b="1" dirty="0">
-                <a:latin typeface="Wingdings" panose="05000000000000000000" pitchFamily="2" charset="2"/>
-              </a:rPr>
-              <a:t>3</a:t>
-            </a:r>
-            <a:r>
-              <a:rPr lang="pl-PL" sz="2000" b="1" dirty="0">
-                <a:latin typeface="OCR A Extended" panose="02010509020102010303" pitchFamily="50" charset="0"/>
-              </a:rPr>
-              <a:t> </a:t>
-            </a:r>
-            <a:r>
-              <a:rPr lang="pl-PL" sz="2400" b="1" dirty="0">
-                <a:latin typeface="OCR A Extended" panose="02010509020102010303" pitchFamily="50" charset="0"/>
-              </a:rPr>
-              <a:t>WTC</a:t>
-            </a:r>
-          </a:p>
-        </p:txBody>
-      </p:sp>
-    </p:spTree>
-    <p:extLst>
-      <p:ext uri="{BB962C8B-B14F-4D97-AF65-F5344CB8AC3E}">
-        <p14:creationId xmlns:p14="http://schemas.microsoft.com/office/powerpoint/2010/main" val="3720170131"/>
-      </p:ext>
-    </p:extLst>
-  </p:cSld>
-  <p:clrMapOvr>
-    <a:masterClrMapping/>
-  </p:clrMapOvr>
-</p:sld>
-</file>
-
-<file path=ppt/slides/slide3.xml><?xml version="1.0" encoding="utf-8"?>
-<p:sld xmlns:a="http://schemas.openxmlformats.org/drawingml/2006/main" xmlns:r="http://schemas.openxmlformats.org/officeDocument/2006/relationships" xmlns:p="http://schemas.openxmlformats.org/presentationml/2006/main">
-  <p:cSld>
-    <p:bg>
-      <p:bgPr>
-        <a:blipFill dpi="0" rotWithShape="1">
-          <a:blip r:embed="rId2">
-            <a:alphaModFix amt="32000"/>
-            <a:lum/>
-          </a:blip>
-          <a:srcRect/>
-          <a:stretch>
-            <a:fillRect l="-1000" r="-1000"/>
-          </a:stretch>
-        </a:blipFill>
-        <a:effectLst/>
-      </p:bgPr>
-    </p:bg>
-    <p:spTree>
-      <p:nvGrpSpPr>
-        <p:cNvPr id="1" name=""/>
-        <p:cNvGrpSpPr/>
-        <p:nvPr/>
-      </p:nvGrpSpPr>
-      <p:grpSpPr>
-        <a:xfrm>
-          <a:off x="0" y="0"/>
-          <a:ext cx="0" cy="0"/>
-          <a:chOff x="0" y="0"/>
-          <a:chExt cx="0" cy="0"/>
-        </a:xfrm>
-      </p:grpSpPr>
-      <p:sp>
-        <p:nvSpPr>
-          <p:cNvPr id="2" name="Tytuł 1">
-            <a:extLst>
-              <a:ext uri="{FF2B5EF4-FFF2-40B4-BE49-F238E27FC236}">
-                <a16:creationId xmlns:a16="http://schemas.microsoft.com/office/drawing/2014/main" id="{6CC0E04C-1C0C-4D4A-DE41-C921E8919237}"/>
-              </a:ext>
-            </a:extLst>
-          </p:cNvPr>
-          <p:cNvSpPr>
-            <a:spLocks noGrp="1"/>
-          </p:cNvSpPr>
-          <p:nvPr>
-            <p:ph type="title"/>
-          </p:nvPr>
-        </p:nvSpPr>
-        <p:spPr>
-          <a:xfrm>
-            <a:off x="838200" y="497205"/>
-            <a:ext cx="10906760" cy="1138555"/>
-          </a:xfrm>
-        </p:spPr>
-        <p:txBody>
-          <a:bodyPr>
-            <a:normAutofit/>
-          </a:bodyPr>
-          <a:lstStyle/>
-          <a:p>
-            <a:r>
-              <a:rPr lang="pl-PL" sz="4000" b="1" dirty="0">
-                <a:latin typeface="OCR A Extended" panose="02010509020102010303" pitchFamily="50" charset="0"/>
-              </a:rPr>
-              <a:t>FAKTY</a:t>
-            </a:r>
-            <a:endParaRPr lang="pl-PL" sz="4000" b="1" dirty="0">
-              <a:latin typeface="Wingdings" panose="05000000000000000000" pitchFamily="2" charset="2"/>
-            </a:endParaRPr>
-          </a:p>
-        </p:txBody>
-      </p:sp>
-      <p:sp>
-        <p:nvSpPr>
-          <p:cNvPr id="3" name="Symbol zastępczy zawartości 2">
-            <a:extLst>
-              <a:ext uri="{FF2B5EF4-FFF2-40B4-BE49-F238E27FC236}">
-                <a16:creationId xmlns:a16="http://schemas.microsoft.com/office/drawing/2014/main" id="{CC1395E2-0D73-3F0A-96FC-27A5B3C3368D}"/>
-              </a:ext>
-            </a:extLst>
-          </p:cNvPr>
-          <p:cNvSpPr>
-            <a:spLocks noGrp="1"/>
-          </p:cNvSpPr>
-          <p:nvPr>
-            <p:ph idx="1"/>
-          </p:nvPr>
-        </p:nvSpPr>
-        <p:spPr>
-          <a:xfrm>
-            <a:off x="838200" y="2640966"/>
-            <a:ext cx="11353800" cy="3444874"/>
-          </a:xfrm>
-        </p:spPr>
-        <p:txBody>
-          <a:bodyPr>
-            <a:normAutofit/>
-          </a:bodyPr>
-          <a:lstStyle/>
-          <a:p>
-            <a:pPr marL="0" indent="0">
-              <a:buNone/>
-            </a:pPr>
-            <a:r>
-              <a:rPr lang="pl-PL" sz="4000" b="1" dirty="0">
-                <a:latin typeface="Wingdings" panose="05000000000000000000" pitchFamily="2" charset="2"/>
-              </a:rPr>
-              <a:t>Q</a:t>
-            </a:r>
-            <a:r>
-              <a:rPr lang="pl-PL" sz="3200" b="1" dirty="0">
-                <a:latin typeface="Wingdings" panose="05000000000000000000" pitchFamily="2" charset="2"/>
-              </a:rPr>
-              <a:t> </a:t>
-            </a:r>
-            <a:r>
-              <a:rPr lang="pl-PL" sz="2400" b="1" dirty="0">
-                <a:latin typeface="OCR A Extended" panose="02010509020102010303" pitchFamily="50" charset="0"/>
-              </a:rPr>
-              <a:t>nr 77 American Airlines Waszyngton -&gt; Los Angeles 8:20</a:t>
-            </a:r>
-          </a:p>
-          <a:p>
-            <a:pPr marL="0" indent="0">
-              <a:buNone/>
-            </a:pPr>
-            <a:r>
-              <a:rPr lang="pl-PL" sz="2400" b="1" dirty="0">
-                <a:latin typeface="OCR A Extended" panose="02010509020102010303" pitchFamily="50" charset="0"/>
-              </a:rPr>
-              <a:t>    </a:t>
-            </a:r>
-            <a:r>
-              <a:rPr lang="pl-PL" b="1" dirty="0">
-                <a:latin typeface="Wingdings" panose="05000000000000000000" pitchFamily="2" charset="2"/>
-              </a:rPr>
-              <a:t>M</a:t>
-            </a:r>
-            <a:r>
-              <a:rPr lang="pl-PL" sz="2400" b="1" dirty="0">
-                <a:latin typeface="OCR A Extended" panose="02010509020102010303" pitchFamily="50" charset="0"/>
-              </a:rPr>
-              <a:t> o 9:37 rozbija się o zachodnie skrzydło Pentagonu</a:t>
-            </a:r>
-            <a:endParaRPr lang="pl-PL" sz="2400" b="1" dirty="0">
-              <a:latin typeface="Wingdings" panose="05000000000000000000" pitchFamily="2" charset="2"/>
-            </a:endParaRPr>
-          </a:p>
-          <a:p>
-            <a:pPr marL="0" indent="0">
-              <a:buNone/>
-            </a:pPr>
-            <a:endParaRPr lang="pl-PL" sz="2400" b="1" dirty="0">
-              <a:latin typeface="OCR A Extended" panose="02010509020102010303" pitchFamily="50" charset="0"/>
-            </a:endParaRPr>
-          </a:p>
-          <a:p>
-            <a:pPr marL="0" indent="0">
-              <a:buNone/>
-            </a:pPr>
-            <a:r>
-              <a:rPr lang="pl-PL" sz="4000" b="1" dirty="0">
-                <a:latin typeface="Wingdings" panose="05000000000000000000" pitchFamily="2" charset="2"/>
-              </a:rPr>
-              <a:t>Q</a:t>
-            </a:r>
-            <a:r>
-              <a:rPr lang="pl-PL" sz="3200" b="1" dirty="0">
-                <a:latin typeface="Wingdings" panose="05000000000000000000" pitchFamily="2" charset="2"/>
-              </a:rPr>
-              <a:t> </a:t>
-            </a:r>
-            <a:r>
-              <a:rPr lang="pl-PL" sz="2400" b="1" dirty="0">
-                <a:latin typeface="OCR A Extended" panose="02010509020102010303" pitchFamily="50" charset="0"/>
-              </a:rPr>
-              <a:t>nr 93 United Airlines Newark -&gt; San Francisco 8:42</a:t>
-            </a:r>
-          </a:p>
-          <a:p>
-            <a:pPr marL="0" indent="0">
-              <a:buNone/>
-            </a:pPr>
-            <a:r>
-              <a:rPr lang="pl-PL" sz="2400" b="1" dirty="0">
-                <a:latin typeface="OCR A Extended" panose="02010509020102010303" pitchFamily="50" charset="0"/>
-              </a:rPr>
-              <a:t>    </a:t>
-            </a:r>
-            <a:r>
-              <a:rPr lang="pl-PL" b="1" dirty="0">
-                <a:latin typeface="Wingdings" panose="05000000000000000000" pitchFamily="2" charset="2"/>
-              </a:rPr>
-              <a:t>M</a:t>
-            </a:r>
-            <a:r>
-              <a:rPr lang="pl-PL" sz="2000" b="1" dirty="0">
-                <a:latin typeface="OCR A Extended" panose="02010509020102010303" pitchFamily="50" charset="0"/>
-              </a:rPr>
-              <a:t> </a:t>
-            </a:r>
-            <a:r>
-              <a:rPr lang="pl-PL" sz="2400" b="1" dirty="0">
-                <a:latin typeface="OCR A Extended" panose="02010509020102010303" pitchFamily="50" charset="0"/>
-              </a:rPr>
-              <a:t>o 10:06 rozbija się na polu w Pensylwanii</a:t>
-            </a:r>
-          </a:p>
-        </p:txBody>
-      </p:sp>
-    </p:spTree>
-    <p:extLst>
-      <p:ext uri="{BB962C8B-B14F-4D97-AF65-F5344CB8AC3E}">
-        <p14:creationId xmlns:p14="http://schemas.microsoft.com/office/powerpoint/2010/main" val="3551411633"/>
-      </p:ext>
-    </p:extLst>
-  </p:cSld>
-  <p:clrMapOvr>
-    <a:masterClrMapping/>
-  </p:clrMapOvr>
-</p:sld>
-</file>
-
-<file path=ppt/slides/slide4.xml><?xml version="1.0" encoding="utf-8"?>
-<p:sld xmlns:a="http://schemas.openxmlformats.org/drawingml/2006/main" xmlns:r="http://schemas.openxmlformats.org/officeDocument/2006/relationships" xmlns:p="http://schemas.openxmlformats.org/presentationml/2006/main">
-  <p:cSld>
-    <p:bg>
-      <p:bgPr>
-        <a:blipFill dpi="0" rotWithShape="1">
-          <a:blip r:embed="rId2">
-            <a:alphaModFix amt="32000"/>
-            <a:lum/>
-          </a:blip>
-          <a:srcRect/>
-          <a:stretch>
-            <a:fillRect l="-1000" r="-1000"/>
-          </a:stretch>
-        </a:blipFill>
-        <a:effectLst/>
-      </p:bgPr>
-    </p:bg>
-    <p:spTree>
-      <p:nvGrpSpPr>
-        <p:cNvPr id="1" name=""/>
-        <p:cNvGrpSpPr/>
-        <p:nvPr/>
-      </p:nvGrpSpPr>
-      <p:grpSpPr>
-        <a:xfrm>
-          <a:off x="0" y="0"/>
-          <a:ext cx="0" cy="0"/>
-          <a:chOff x="0" y="0"/>
-          <a:chExt cx="0" cy="0"/>
-        </a:xfrm>
-      </p:grpSpPr>
-      <p:sp>
-        <p:nvSpPr>
-          <p:cNvPr id="2" name="Tytuł 1">
-            <a:extLst>
-              <a:ext uri="{FF2B5EF4-FFF2-40B4-BE49-F238E27FC236}">
-                <a16:creationId xmlns:a16="http://schemas.microsoft.com/office/drawing/2014/main" id="{6CC0E04C-1C0C-4D4A-DE41-C921E8919237}"/>
-              </a:ext>
-            </a:extLst>
-          </p:cNvPr>
-          <p:cNvSpPr>
-            <a:spLocks noGrp="1"/>
-          </p:cNvSpPr>
-          <p:nvPr>
-            <p:ph type="title"/>
-          </p:nvPr>
-        </p:nvSpPr>
-        <p:spPr>
-          <a:xfrm>
-            <a:off x="838200" y="497205"/>
-            <a:ext cx="10906760" cy="1138555"/>
-          </a:xfrm>
-        </p:spPr>
-        <p:txBody>
-          <a:bodyPr>
-            <a:normAutofit/>
-          </a:bodyPr>
-          <a:lstStyle/>
-          <a:p>
-            <a:pPr algn="ctr"/>
-            <a:r>
-              <a:rPr lang="pl-PL" sz="4000" b="1" dirty="0">
-                <a:latin typeface="OCR A Extended" panose="02010509020102010303" pitchFamily="50" charset="0"/>
-              </a:rPr>
-              <a:t>DANE PORWANYCH SAMOLOTÓW</a:t>
-            </a:r>
-          </a:p>
-        </p:txBody>
-      </p:sp>
-      <p:sp>
-        <p:nvSpPr>
-          <p:cNvPr id="6" name="pole tekstowe 5">
-            <a:extLst>
-              <a:ext uri="{FF2B5EF4-FFF2-40B4-BE49-F238E27FC236}">
-                <a16:creationId xmlns:a16="http://schemas.microsoft.com/office/drawing/2014/main" id="{778A7A85-84C3-1EE1-90E4-497DB8904746}"/>
-              </a:ext>
-            </a:extLst>
-          </p:cNvPr>
-          <p:cNvSpPr txBox="1"/>
-          <p:nvPr/>
-        </p:nvSpPr>
-        <p:spPr>
-          <a:xfrm>
-            <a:off x="955040" y="4307840"/>
-            <a:ext cx="11064240" cy="830997"/>
-          </a:xfrm>
-          <a:prstGeom prst="rect">
-            <a:avLst/>
-          </a:prstGeom>
-          <a:noFill/>
-        </p:spPr>
-        <p:txBody>
-          <a:bodyPr wrap="square" rtlCol="0">
-            <a:spAutoFit/>
-          </a:bodyPr>
-          <a:lstStyle/>
-          <a:p>
-            <a:pPr algn="ctr"/>
-            <a:r>
-              <a:rPr lang="pl-PL" sz="2400" b="1" dirty="0">
-                <a:latin typeface="OCR A Extended" panose="02010509020102010303" pitchFamily="50" charset="0"/>
-              </a:rPr>
-              <a:t>występują pewne nieścisłości z danymi pochodzącymi</a:t>
-            </a:r>
-          </a:p>
-          <a:p>
-            <a:pPr algn="ctr"/>
-            <a:r>
-              <a:rPr lang="pl-PL" sz="2400" b="1" dirty="0">
-                <a:latin typeface="OCR A Extended" panose="02010509020102010303" pitchFamily="50" charset="0"/>
-              </a:rPr>
-              <a:t>z innych źródeł</a:t>
-            </a:r>
-          </a:p>
-        </p:txBody>
-      </p:sp>
-      <p:pic>
-        <p:nvPicPr>
-          <p:cNvPr id="10" name="Symbol zastępczy zawartości 9">
-            <a:extLst>
-              <a:ext uri="{FF2B5EF4-FFF2-40B4-BE49-F238E27FC236}">
-                <a16:creationId xmlns:a16="http://schemas.microsoft.com/office/drawing/2014/main" id="{877C2FED-03EB-D4EC-3817-BFFBD353105D}"/>
-              </a:ext>
-            </a:extLst>
-          </p:cNvPr>
-          <p:cNvPicPr>
-            <a:picLocks noGrp="1" noChangeAspect="1"/>
-          </p:cNvPicPr>
-          <p:nvPr>
-            <p:ph idx="1"/>
-          </p:nvPr>
-        </p:nvPicPr>
-        <p:blipFill>
-          <a:blip r:embed="rId3"/>
-          <a:stretch>
-            <a:fillRect/>
-          </a:stretch>
-        </p:blipFill>
-        <p:spPr>
-          <a:xfrm>
-            <a:off x="693295" y="2449977"/>
-            <a:ext cx="10534842" cy="979023"/>
-          </a:xfrm>
-        </p:spPr>
-      </p:pic>
-    </p:spTree>
-    <p:extLst>
-      <p:ext uri="{BB962C8B-B14F-4D97-AF65-F5344CB8AC3E}">
-        <p14:creationId xmlns:p14="http://schemas.microsoft.com/office/powerpoint/2010/main" val="4071255207"/>
-      </p:ext>
-    </p:extLst>
-  </p:cSld>
-  <p:clrMapOvr>
-    <a:masterClrMapping/>
-  </p:clrMapOvr>
-</p:sld>
-</file>
-
-<file path=ppt/slides/slide5.xml><?xml version="1.0" encoding="utf-8"?>
-<p:sld xmlns:a="http://schemas.openxmlformats.org/drawingml/2006/main" xmlns:r="http://schemas.openxmlformats.org/officeDocument/2006/relationships" xmlns:p="http://schemas.openxmlformats.org/presentationml/2006/main">
-  <p:cSld>
-    <p:bg>
-      <p:bgPr>
-        <a:blipFill dpi="0" rotWithShape="1">
-          <a:blip r:embed="rId2">
-            <a:alphaModFix amt="32000"/>
-            <a:lum/>
-          </a:blip>
-          <a:srcRect/>
-          <a:stretch>
-            <a:fillRect t="-3000" b="-3000"/>
-          </a:stretch>
-        </a:blipFill>
-        <a:effectLst/>
-      </p:bgPr>
-    </p:bg>
-    <p:spTree>
-      <p:nvGrpSpPr>
-        <p:cNvPr id="1" name=""/>
-        <p:cNvGrpSpPr/>
-        <p:nvPr/>
-      </p:nvGrpSpPr>
-      <p:grpSpPr>
-        <a:xfrm>
-          <a:off x="0" y="0"/>
-          <a:ext cx="0" cy="0"/>
-          <a:chOff x="0" y="0"/>
-          <a:chExt cx="0" cy="0"/>
-        </a:xfrm>
-      </p:grpSpPr>
-      <p:sp>
-        <p:nvSpPr>
-          <p:cNvPr id="2" name="Tytuł 1">
-            <a:extLst>
-              <a:ext uri="{FF2B5EF4-FFF2-40B4-BE49-F238E27FC236}">
-                <a16:creationId xmlns:a16="http://schemas.microsoft.com/office/drawing/2014/main" id="{FB785FB1-88E0-4792-A752-D0A7B4699D12}"/>
-              </a:ext>
-            </a:extLst>
-          </p:cNvPr>
-          <p:cNvSpPr>
-            <a:spLocks noGrp="1"/>
-          </p:cNvSpPr>
-          <p:nvPr>
-            <p:ph type="title"/>
-          </p:nvPr>
-        </p:nvSpPr>
-        <p:spPr>
-          <a:xfrm>
-            <a:off x="134620" y="0"/>
-            <a:ext cx="11948160" cy="1325563"/>
-          </a:xfrm>
-        </p:spPr>
-        <p:txBody>
-          <a:bodyPr>
-            <a:normAutofit/>
-          </a:bodyPr>
-          <a:lstStyle/>
-          <a:p>
-            <a:pPr algn="ctr"/>
-            <a:r>
-              <a:rPr lang="pl-PL" sz="4000" b="1" dirty="0">
-                <a:latin typeface="OCR A Extended" panose="02010509020102010303" pitchFamily="50" charset="0"/>
-              </a:rPr>
-              <a:t>ZAMKNIĘCIE PRZESTRZENI POWIETRZNEJ</a:t>
-            </a:r>
-          </a:p>
-        </p:txBody>
-      </p:sp>
-      <p:sp>
-        <p:nvSpPr>
-          <p:cNvPr id="7" name="Symbol zastępczy zawartości 6">
-            <a:extLst>
-              <a:ext uri="{FF2B5EF4-FFF2-40B4-BE49-F238E27FC236}">
-                <a16:creationId xmlns:a16="http://schemas.microsoft.com/office/drawing/2014/main" id="{9FC100E5-FED2-1B1F-9E49-525B0D62AB18}"/>
-              </a:ext>
-            </a:extLst>
-          </p:cNvPr>
-          <p:cNvSpPr>
-            <a:spLocks noGrp="1"/>
-          </p:cNvSpPr>
-          <p:nvPr>
-            <p:ph idx="1"/>
-          </p:nvPr>
-        </p:nvSpPr>
-        <p:spPr>
-          <a:xfrm>
-            <a:off x="838200" y="1526647"/>
-            <a:ext cx="10541000" cy="409575"/>
-          </a:xfrm>
-        </p:spPr>
-        <p:txBody>
-          <a:bodyPr>
-            <a:normAutofit/>
-          </a:bodyPr>
-          <a:lstStyle/>
-          <a:p>
-            <a:pPr marL="0" indent="0" algn="ctr">
-              <a:buNone/>
-            </a:pPr>
-            <a:r>
-              <a:rPr lang="pl-PL" sz="2000" b="1" dirty="0">
-                <a:latin typeface="OCR A Extended" panose="02010509020102010303" pitchFamily="50" charset="0"/>
-              </a:rPr>
-              <a:t>11 września o godzinie 9:30 ostatni samolot wzbił się w powietrze</a:t>
-            </a:r>
-          </a:p>
-        </p:txBody>
-      </p:sp>
-      <p:pic>
-        <p:nvPicPr>
-          <p:cNvPr id="11" name="Obraz 10">
-            <a:extLst>
-              <a:ext uri="{FF2B5EF4-FFF2-40B4-BE49-F238E27FC236}">
-                <a16:creationId xmlns:a16="http://schemas.microsoft.com/office/drawing/2014/main" id="{52C0690E-E4E3-42F6-2E03-2C653CFBFA0B}"/>
-              </a:ext>
-            </a:extLst>
-          </p:cNvPr>
-          <p:cNvPicPr>
-            <a:picLocks noChangeAspect="1"/>
-          </p:cNvPicPr>
-          <p:nvPr/>
-        </p:nvPicPr>
-        <p:blipFill>
-          <a:blip r:embed="rId3"/>
-          <a:stretch>
-            <a:fillRect/>
-          </a:stretch>
-        </p:blipFill>
-        <p:spPr>
-          <a:xfrm>
-            <a:off x="3976865" y="2203522"/>
-            <a:ext cx="4238267" cy="2076517"/>
-          </a:xfrm>
-          <a:prstGeom prst="rect">
-            <a:avLst/>
-          </a:prstGeom>
-        </p:spPr>
-      </p:pic>
-      <p:sp>
-        <p:nvSpPr>
-          <p:cNvPr id="14" name="pole tekstowe 13">
-            <a:extLst>
-              <a:ext uri="{FF2B5EF4-FFF2-40B4-BE49-F238E27FC236}">
-                <a16:creationId xmlns:a16="http://schemas.microsoft.com/office/drawing/2014/main" id="{6AAAAEF7-F1DE-101D-D3C2-4ED11D697A62}"/>
-              </a:ext>
-            </a:extLst>
-          </p:cNvPr>
-          <p:cNvSpPr txBox="1"/>
-          <p:nvPr/>
-        </p:nvSpPr>
-        <p:spPr>
-          <a:xfrm>
-            <a:off x="1142998" y="4547339"/>
-            <a:ext cx="9906000" cy="707886"/>
-          </a:xfrm>
-          <a:prstGeom prst="rect">
-            <a:avLst/>
-          </a:prstGeom>
-          <a:noFill/>
-        </p:spPr>
-        <p:txBody>
-          <a:bodyPr wrap="square" rtlCol="0">
-            <a:spAutoFit/>
-          </a:bodyPr>
-          <a:lstStyle/>
-          <a:p>
-            <a:pPr algn="ctr"/>
-            <a:r>
-              <a:rPr lang="pl-PL" sz="2000" b="1" dirty="0">
-                <a:latin typeface="OCR A Extended" panose="02010509020102010303" pitchFamily="50" charset="0"/>
-              </a:rPr>
-              <a:t>trasy dla ponad 70 % samolotów, które miały do pokonania</a:t>
-            </a:r>
-          </a:p>
-          <a:p>
-            <a:pPr algn="ctr"/>
-            <a:r>
-              <a:rPr lang="pl-PL" sz="2000" b="1" dirty="0">
-                <a:latin typeface="OCR A Extended" panose="02010509020102010303" pitchFamily="50" charset="0"/>
-              </a:rPr>
-              <a:t>co najmniej 300 km zostały zmienione </a:t>
-            </a:r>
-          </a:p>
-        </p:txBody>
-      </p:sp>
-      <p:pic>
-        <p:nvPicPr>
-          <p:cNvPr id="16" name="Obraz 15">
-            <a:extLst>
-              <a:ext uri="{FF2B5EF4-FFF2-40B4-BE49-F238E27FC236}">
-                <a16:creationId xmlns:a16="http://schemas.microsoft.com/office/drawing/2014/main" id="{B94C9A73-DFA2-0B82-BD4D-8C4A18925962}"/>
-              </a:ext>
-            </a:extLst>
-          </p:cNvPr>
-          <p:cNvPicPr>
-            <a:picLocks noChangeAspect="1"/>
-          </p:cNvPicPr>
-          <p:nvPr/>
-        </p:nvPicPr>
-        <p:blipFill>
-          <a:blip r:embed="rId4"/>
-          <a:stretch>
-            <a:fillRect/>
-          </a:stretch>
-        </p:blipFill>
-        <p:spPr>
-          <a:xfrm>
-            <a:off x="4864277" y="5597986"/>
-            <a:ext cx="2463442" cy="707885"/>
-          </a:xfrm>
-          <a:prstGeom prst="rect">
-            <a:avLst/>
-          </a:prstGeom>
-        </p:spPr>
-      </p:pic>
-    </p:spTree>
-    <p:extLst>
-      <p:ext uri="{BB962C8B-B14F-4D97-AF65-F5344CB8AC3E}">
-        <p14:creationId xmlns:p14="http://schemas.microsoft.com/office/powerpoint/2010/main" val="888903167"/>
+        <p14:creationId xmlns:p14="http://schemas.microsoft.com/office/powerpoint/2010/main" val="872328733"/>
       </p:ext>
     </p:extLst>
   </p:cSld>
@@ -5355,10 +4612,10 @@
       </p:grpSpPr>
       <p:pic>
         <p:nvPicPr>
-          <p:cNvPr id="8" name="Obraz 7" descr="Obraz zawierający tekst, diagram, mapa&#10;&#10;Opis wygenerowany automatycznie">
-            <a:extLst>
-              <a:ext uri="{FF2B5EF4-FFF2-40B4-BE49-F238E27FC236}">
-                <a16:creationId xmlns:a16="http://schemas.microsoft.com/office/drawing/2014/main" id="{F5C43616-E6D7-C877-24D2-B4C43DC6A4C7}"/>
+          <p:cNvPr id="4" name="Obraz 3" descr="Obraz zawierający tekst, diagram, Wykres, linia&#10;&#10;Opis wygenerowany automatycznie">
+            <a:extLst>
+              <a:ext uri="{FF2B5EF4-FFF2-40B4-BE49-F238E27FC236}">
+                <a16:creationId xmlns:a16="http://schemas.microsoft.com/office/drawing/2014/main" id="{01FFA22E-BEE5-F4F6-DB1D-130A71A229D8}"/>
               </a:ext>
             </a:extLst>
           </p:cNvPr>
@@ -5381,8 +4638,8 @@
         </p:blipFill>
         <p:spPr>
           <a:xfrm>
-            <a:off x="731515" y="76197"/>
-            <a:ext cx="10728969" cy="6705605"/>
+            <a:off x="977389" y="229868"/>
+            <a:ext cx="10237221" cy="6398263"/>
           </a:xfrm>
           <a:prstGeom prst="rect">
             <a:avLst/>
@@ -5392,7 +4649,7 @@
     </p:spTree>
     <p:extLst>
       <p:ext uri="{BB962C8B-B14F-4D97-AF65-F5344CB8AC3E}">
-        <p14:creationId xmlns:p14="http://schemas.microsoft.com/office/powerpoint/2010/main" val="1507990816"/>
+        <p14:creationId xmlns:p14="http://schemas.microsoft.com/office/powerpoint/2010/main" val="1788485468"/>
       </p:ext>
     </p:extLst>
   </p:cSld>
@@ -5407,35 +4664,16 @@
   <p:cSld>
     <p:bg>
       <p:bgPr>
-        <a:gradFill>
-          <a:gsLst>
-            <a:gs pos="0">
-              <a:schemeClr val="accent3">
-                <a:lumMod val="40000"/>
-                <a:lumOff val="60000"/>
-              </a:schemeClr>
-            </a:gs>
-            <a:gs pos="38000">
-              <a:schemeClr val="tx2">
-                <a:lumMod val="40000"/>
-                <a:lumOff val="60000"/>
-              </a:schemeClr>
-            </a:gs>
-            <a:gs pos="83000">
-              <a:schemeClr val="accent1">
-                <a:lumMod val="45000"/>
-                <a:lumOff val="55000"/>
-              </a:schemeClr>
-            </a:gs>
-            <a:gs pos="100000">
-              <a:schemeClr val="accent1">
-                <a:lumMod val="30000"/>
-                <a:lumOff val="70000"/>
-              </a:schemeClr>
-            </a:gs>
-          </a:gsLst>
-          <a:lin ang="5400000" scaled="1"/>
-        </a:gradFill>
+        <a:blipFill dpi="0" rotWithShape="1">
+          <a:blip r:embed="rId2">
+            <a:alphaModFix amt="32000"/>
+            <a:lum/>
+          </a:blip>
+          <a:srcRect/>
+          <a:stretch>
+            <a:fillRect t="-3000" b="-3000"/>
+          </a:stretch>
+        </a:blipFill>
         <a:effectLst/>
       </p:bgPr>
     </p:bg>
@@ -5453,12 +4691,197 @@
           <a:chExt cx="0" cy="0"/>
         </a:xfrm>
       </p:grpSpPr>
+      <p:sp>
+        <p:nvSpPr>
+          <p:cNvPr id="2" name="Tytuł 1">
+            <a:extLst>
+              <a:ext uri="{FF2B5EF4-FFF2-40B4-BE49-F238E27FC236}">
+                <a16:creationId xmlns:a16="http://schemas.microsoft.com/office/drawing/2014/main" id="{FB785FB1-88E0-4792-A752-D0A7B4699D12}"/>
+              </a:ext>
+            </a:extLst>
+          </p:cNvPr>
+          <p:cNvSpPr>
+            <a:spLocks noGrp="1"/>
+          </p:cNvSpPr>
+          <p:nvPr>
+            <p:ph type="title"/>
+          </p:nvPr>
+        </p:nvSpPr>
+        <p:spPr>
+          <a:xfrm>
+            <a:off x="226060" y="111760"/>
+            <a:ext cx="11965940" cy="936836"/>
+          </a:xfrm>
+        </p:spPr>
+        <p:txBody>
+          <a:bodyPr>
+            <a:normAutofit/>
+          </a:bodyPr>
+          <a:lstStyle/>
+          <a:p>
+            <a:pPr algn="ctr"/>
+            <a:r>
+              <a:rPr lang="pl-PL" sz="4000" b="1" dirty="0">
+                <a:latin typeface="OCR A Extended" panose="02010509020102010303" pitchFamily="50" charset="0"/>
+              </a:rPr>
+              <a:t>OGROMNE STRATY FINANSOWE</a:t>
+            </a:r>
+          </a:p>
+        </p:txBody>
+      </p:sp>
+      <p:sp>
+        <p:nvSpPr>
+          <p:cNvPr id="7" name="Symbol zastępczy zawartości 6">
+            <a:extLst>
+              <a:ext uri="{FF2B5EF4-FFF2-40B4-BE49-F238E27FC236}">
+                <a16:creationId xmlns:a16="http://schemas.microsoft.com/office/drawing/2014/main" id="{9FC100E5-FED2-1B1F-9E49-525B0D62AB18}"/>
+              </a:ext>
+            </a:extLst>
+          </p:cNvPr>
+          <p:cNvSpPr>
+            <a:spLocks noGrp="1"/>
+          </p:cNvSpPr>
+          <p:nvPr>
+            <p:ph idx="1"/>
+          </p:nvPr>
+        </p:nvSpPr>
+        <p:spPr>
+          <a:xfrm>
+            <a:off x="595628" y="4737207"/>
+            <a:ext cx="11226800" cy="2120793"/>
+          </a:xfrm>
+        </p:spPr>
+        <p:txBody>
+          <a:bodyPr>
+            <a:noAutofit/>
+          </a:bodyPr>
+          <a:lstStyle/>
+          <a:p>
+            <a:pPr marL="0" indent="0" algn="ctr">
+              <a:buNone/>
+            </a:pPr>
+            <a:r>
+              <a:rPr lang="pl-PL" sz="1800" b="0" i="1" dirty="0">
+                <a:solidFill>
+                  <a:srgbClr val="2C2F34"/>
+                </a:solidFill>
+                <a:effectLst/>
+                <a:latin typeface="Kigelia Arabic" panose="020B0604020202020204" pitchFamily="34" charset="-78"/>
+                <a:cs typeface="Kigelia Arabic" panose="020B0604020202020204" pitchFamily="34" charset="-78"/>
+              </a:rPr>
+              <a:t>Przemysł lotnictwa komercyjnego w </a:t>
+            </a:r>
+            <a:r>
+              <a:rPr lang="pl-PL" sz="1800" i="1" dirty="0">
+                <a:solidFill>
+                  <a:srgbClr val="2C2F34"/>
+                </a:solidFill>
+                <a:effectLst/>
+                <a:latin typeface="Kigelia Arabic" panose="020B0604020202020204" pitchFamily="34" charset="-78"/>
+                <a:cs typeface="Kigelia Arabic" panose="020B0604020202020204" pitchFamily="34" charset="-78"/>
+              </a:rPr>
+              <a:t>Stanach Zjednoczonych</a:t>
+            </a:r>
+            <a:r>
+              <a:rPr lang="pl-PL" sz="1800" b="0" i="1" dirty="0">
+                <a:solidFill>
+                  <a:srgbClr val="2C2F34"/>
+                </a:solidFill>
+                <a:effectLst/>
+                <a:latin typeface="Kigelia Arabic" panose="020B0604020202020204" pitchFamily="34" charset="-78"/>
+                <a:cs typeface="Kigelia Arabic" panose="020B0604020202020204" pitchFamily="34" charset="-78"/>
+              </a:rPr>
+              <a:t> był już wcześniej narażony na spowolnienie gospodarcze i przewidywalne spadki przychodów związane z sezonowym charakterem podróży turystycznych, ale nie doświadczył kryzysu o sile ataków z 11 września.</a:t>
+            </a:r>
+          </a:p>
+          <a:p>
+            <a:pPr marL="0" indent="0" algn="ctr">
+              <a:buNone/>
+            </a:pPr>
+            <a:r>
+              <a:rPr lang="pl-PL" sz="1800" b="0" i="1" dirty="0">
+                <a:solidFill>
+                  <a:srgbClr val="2C2F34"/>
+                </a:solidFill>
+                <a:effectLst/>
+                <a:latin typeface="Kigelia Arabic" panose="020B0604020202020204" pitchFamily="34" charset="-78"/>
+                <a:cs typeface="Kigelia Arabic" panose="020B0604020202020204" pitchFamily="34" charset="-78"/>
+              </a:rPr>
+              <a:t> Według </a:t>
+            </a:r>
+            <a:r>
+              <a:rPr lang="pl-PL" sz="1800" i="1" dirty="0">
+                <a:solidFill>
+                  <a:srgbClr val="2C2F34"/>
+                </a:solidFill>
+                <a:effectLst/>
+                <a:latin typeface="Kigelia Arabic" panose="020B0604020202020204" pitchFamily="34" charset="-78"/>
+                <a:cs typeface="Kigelia Arabic" panose="020B0604020202020204" pitchFamily="34" charset="-78"/>
+              </a:rPr>
+              <a:t>Międzynarodowego</a:t>
+            </a:r>
+            <a:r>
+              <a:rPr lang="pl-PL" sz="1800" b="1" i="1" dirty="0">
+                <a:solidFill>
+                  <a:srgbClr val="2C2F34"/>
+                </a:solidFill>
+                <a:effectLst/>
+                <a:latin typeface="Kigelia Arabic" panose="020B0604020202020204" pitchFamily="34" charset="-78"/>
+                <a:cs typeface="Kigelia Arabic" panose="020B0604020202020204" pitchFamily="34" charset="-78"/>
+              </a:rPr>
+              <a:t> </a:t>
+            </a:r>
+            <a:r>
+              <a:rPr lang="pl-PL" sz="1800" i="1" dirty="0">
+                <a:solidFill>
+                  <a:srgbClr val="2C2F34"/>
+                </a:solidFill>
+                <a:effectLst/>
+                <a:latin typeface="Kigelia Arabic" panose="020B0604020202020204" pitchFamily="34" charset="-78"/>
+                <a:cs typeface="Kigelia Arabic" panose="020B0604020202020204" pitchFamily="34" charset="-78"/>
+              </a:rPr>
+              <a:t>Stowarzyszenia Transportu Lotniczego, </a:t>
+            </a:r>
+            <a:r>
+              <a:rPr lang="pl-PL" sz="1800" b="0" i="1" dirty="0">
+                <a:solidFill>
+                  <a:srgbClr val="2C2F34"/>
+                </a:solidFill>
+                <a:effectLst/>
+                <a:latin typeface="Kigelia Arabic" panose="020B0604020202020204" pitchFamily="34" charset="-78"/>
+                <a:cs typeface="Kigelia Arabic" panose="020B0604020202020204" pitchFamily="34" charset="-78"/>
+              </a:rPr>
+              <a:t>pasażerskie linie lotnicze w Stanach Zjednoczonych odnotowały w 2001 roku stratę netto w wysokości</a:t>
+            </a:r>
+          </a:p>
+          <a:p>
+            <a:pPr marL="0" indent="0" algn="ctr">
+              <a:buNone/>
+            </a:pPr>
+            <a:r>
+              <a:rPr lang="pl-PL" sz="1800" b="1" i="1" dirty="0">
+                <a:solidFill>
+                  <a:srgbClr val="2C2F34"/>
+                </a:solidFill>
+                <a:effectLst/>
+                <a:latin typeface="Kigelia Arabic" panose="020B0604020202020204" pitchFamily="34" charset="-78"/>
+                <a:cs typeface="Kigelia Arabic" panose="020B0604020202020204" pitchFamily="34" charset="-78"/>
+              </a:rPr>
+              <a:t>8 miliardów dolarów</a:t>
+            </a:r>
+            <a:endParaRPr lang="pl-PL" sz="1800" b="1" i="1" dirty="0">
+              <a:latin typeface="Kigelia Arabic" panose="020B0604020202020204" pitchFamily="34" charset="-78"/>
+              <a:cs typeface="Kigelia Arabic" panose="020B0604020202020204" pitchFamily="34" charset="-78"/>
+            </a:endParaRPr>
+          </a:p>
+        </p:txBody>
+      </p:sp>
       <p:pic>
         <p:nvPicPr>
-          <p:cNvPr id="5" name="Obraz 4" descr="Obraz zawierający tekst, diagram, Wykres, linia&#10;&#10;Opis wygenerowany automatycznie">
-            <a:extLst>
-              <a:ext uri="{FF2B5EF4-FFF2-40B4-BE49-F238E27FC236}">
-                <a16:creationId xmlns:a16="http://schemas.microsoft.com/office/drawing/2014/main" id="{E920CBAF-578E-48F6-1C3A-0D160A58C0EF}"/>
+          <p:cNvPr id="3" name="Obraz 2">
+            <a:extLst>
+              <a:ext uri="{FF2B5EF4-FFF2-40B4-BE49-F238E27FC236}">
+                <a16:creationId xmlns:a16="http://schemas.microsoft.com/office/drawing/2014/main" id="{458EEEFC-B12B-5F88-900B-A6CE20F48367}"/>
               </a:ext>
             </a:extLst>
           </p:cNvPr>
@@ -5467,22 +4890,15 @@
           </p:cNvPicPr>
           <p:nvPr/>
         </p:nvPicPr>
-        <p:blipFill>
-          <a:blip r:embed="rId2">
-            <a:extLst>
-              <a:ext uri="{28A0092B-C50C-407E-A947-70E740481C1C}">
-                <a14:useLocalDpi xmlns:a14="http://schemas.microsoft.com/office/drawing/2010/main" val="0"/>
-              </a:ext>
-            </a:extLst>
-          </a:blip>
-          <a:stretch>
-            <a:fillRect/>
-          </a:stretch>
+        <p:blipFill rotWithShape="1">
+          <a:blip r:embed="rId3"/>
+          <a:srcRect b="48038"/>
+          <a:stretch/>
         </p:blipFill>
         <p:spPr>
           <a:xfrm>
-            <a:off x="936751" y="204470"/>
-            <a:ext cx="10318498" cy="6449060"/>
+            <a:off x="2018497" y="1249256"/>
+            <a:ext cx="8381063" cy="3073400"/>
           </a:xfrm>
           <a:prstGeom prst="rect">
             <a:avLst/>
@@ -5492,7 +4908,7 @@
     </p:spTree>
     <p:extLst>
       <p:ext uri="{BB962C8B-B14F-4D97-AF65-F5344CB8AC3E}">
-        <p14:creationId xmlns:p14="http://schemas.microsoft.com/office/powerpoint/2010/main" val="872328733"/>
+        <p14:creationId xmlns:p14="http://schemas.microsoft.com/office/powerpoint/2010/main" val="2350668470"/>
       </p:ext>
     </p:extLst>
   </p:cSld>
@@ -5553,12 +4969,50 @@
           <a:chExt cx="0" cy="0"/>
         </a:xfrm>
       </p:grpSpPr>
+      <p:sp>
+        <p:nvSpPr>
+          <p:cNvPr id="2" name="Tytuł 1">
+            <a:extLst>
+              <a:ext uri="{FF2B5EF4-FFF2-40B4-BE49-F238E27FC236}">
+                <a16:creationId xmlns:a16="http://schemas.microsoft.com/office/drawing/2014/main" id="{DA3F3539-610D-F3BE-95EC-5C75832D01F2}"/>
+              </a:ext>
+            </a:extLst>
+          </p:cNvPr>
+          <p:cNvSpPr>
+            <a:spLocks noGrp="1"/>
+          </p:cNvSpPr>
+          <p:nvPr>
+            <p:ph type="title"/>
+          </p:nvPr>
+        </p:nvSpPr>
+        <p:spPr>
+          <a:xfrm>
+            <a:off x="134620" y="0"/>
+            <a:ext cx="11948160" cy="1325563"/>
+          </a:xfrm>
+        </p:spPr>
+        <p:txBody>
+          <a:bodyPr>
+            <a:normAutofit/>
+          </a:bodyPr>
+          <a:lstStyle/>
+          <a:p>
+            <a:pPr algn="ctr"/>
+            <a:r>
+              <a:rPr lang="pl-PL" sz="4000" b="1" dirty="0">
+                <a:latin typeface="OCR A Extended" panose="02010509020102010303" pitchFamily="50" charset="0"/>
+              </a:rPr>
+              <a:t>AMERICAN &amp; UNITED AIRLINES</a:t>
+            </a:r>
+          </a:p>
+        </p:txBody>
+      </p:sp>
       <p:pic>
         <p:nvPicPr>
-          <p:cNvPr id="3" name="Obraz 2" descr="Obraz zawierający tekst, diagram, Wykres, linia&#10;&#10;Opis wygenerowany automatycznie">
-            <a:extLst>
-              <a:ext uri="{FF2B5EF4-FFF2-40B4-BE49-F238E27FC236}">
-                <a16:creationId xmlns:a16="http://schemas.microsoft.com/office/drawing/2014/main" id="{F635DA98-CF7D-D894-7D15-F4554B2B4882}"/>
+          <p:cNvPr id="4" name="Obraz 3" descr="Obraz zawierający tekst, zrzut ekranu, diagram, Czcionka&#10;&#10;Opis wygenerowany automatycznie">
+            <a:extLst>
+              <a:ext uri="{FF2B5EF4-FFF2-40B4-BE49-F238E27FC236}">
+                <a16:creationId xmlns:a16="http://schemas.microsoft.com/office/drawing/2014/main" id="{A9795135-96F7-1432-319D-2A61CCD45016}"/>
               </a:ext>
             </a:extLst>
           </p:cNvPr>
@@ -5581,8 +5035,8 @@
         </p:blipFill>
         <p:spPr>
           <a:xfrm>
-            <a:off x="1030151" y="262845"/>
-            <a:ext cx="10131697" cy="6332310"/>
+            <a:off x="1654043" y="1153155"/>
+            <a:ext cx="8883913" cy="5552445"/>
           </a:xfrm>
           <a:prstGeom prst="rect">
             <a:avLst/>
@@ -5592,7 +5046,7 @@
     </p:spTree>
     <p:extLst>
       <p:ext uri="{BB962C8B-B14F-4D97-AF65-F5344CB8AC3E}">
-        <p14:creationId xmlns:p14="http://schemas.microsoft.com/office/powerpoint/2010/main" val="829564669"/>
+        <p14:creationId xmlns:p14="http://schemas.microsoft.com/office/powerpoint/2010/main" val="936286649"/>
       </p:ext>
     </p:extLst>
   </p:cSld>
@@ -5655,10 +5109,10 @@
       </p:grpSpPr>
       <p:pic>
         <p:nvPicPr>
-          <p:cNvPr id="4" name="Obraz 3" descr="Obraz zawierający tekst, diagram, Wykres, linia&#10;&#10;Opis wygenerowany automatycznie">
-            <a:extLst>
-              <a:ext uri="{FF2B5EF4-FFF2-40B4-BE49-F238E27FC236}">
-                <a16:creationId xmlns:a16="http://schemas.microsoft.com/office/drawing/2014/main" id="{D9E18AC8-8E37-1726-E928-5727A44CDE9E}"/>
+          <p:cNvPr id="4" name="Obraz 3" descr="Obraz zawierający tekst, zrzut ekranu, Czcionka, linia&#10;&#10;Opis wygenerowany automatycznie">
+            <a:extLst>
+              <a:ext uri="{FF2B5EF4-FFF2-40B4-BE49-F238E27FC236}">
+                <a16:creationId xmlns:a16="http://schemas.microsoft.com/office/drawing/2014/main" id="{DC4D2D62-BD93-3500-03F5-51850CE2F7FC}"/>
               </a:ext>
             </a:extLst>
           </p:cNvPr>
@@ -5681,8 +5135,8 @@
         </p:blipFill>
         <p:spPr>
           <a:xfrm>
-            <a:off x="998141" y="242838"/>
-            <a:ext cx="10195718" cy="6372323"/>
+            <a:off x="955035" y="215897"/>
+            <a:ext cx="10281929" cy="6426205"/>
           </a:xfrm>
           <a:prstGeom prst="rect">
             <a:avLst/>
@@ -5692,7 +5146,7 @@
     </p:spTree>
     <p:extLst>
       <p:ext uri="{BB962C8B-B14F-4D97-AF65-F5344CB8AC3E}">
-        <p14:creationId xmlns:p14="http://schemas.microsoft.com/office/powerpoint/2010/main" val="1853428174"/>
+        <p14:creationId xmlns:p14="http://schemas.microsoft.com/office/powerpoint/2010/main" val="3673677870"/>
       </p:ext>
     </p:extLst>
   </p:cSld>
